--- a/presentation/presentation FFM&SOC.pptx
+++ b/presentation/presentation FFM&SOC.pptx
@@ -302,7 +302,7 @@
             <a:fld id="{3D5F2CB1-A508-4FC3-96AA-6D83E1A29782}" type="datetimeFigureOut">
               <a:rPr lang="zh-CN" altLang="en-US" smtClean="0"/>
               <a:pPr/>
-              <a:t>2013/12/8</a:t>
+              <a:t>2013/12/11</a:t>
             </a:fld>
             <a:endParaRPr lang="zh-CN" altLang="en-US"/>
           </a:p>
@@ -469,7 +469,7 @@
             <a:fld id="{3D5F2CB1-A508-4FC3-96AA-6D83E1A29782}" type="datetimeFigureOut">
               <a:rPr lang="zh-CN" altLang="en-US" smtClean="0"/>
               <a:pPr/>
-              <a:t>2013/12/8</a:t>
+              <a:t>2013/12/11</a:t>
             </a:fld>
             <a:endParaRPr lang="zh-CN" altLang="en-US"/>
           </a:p>
@@ -646,7 +646,7 @@
             <a:fld id="{3D5F2CB1-A508-4FC3-96AA-6D83E1A29782}" type="datetimeFigureOut">
               <a:rPr lang="zh-CN" altLang="en-US" smtClean="0"/>
               <a:pPr/>
-              <a:t>2013/12/8</a:t>
+              <a:t>2013/12/11</a:t>
             </a:fld>
             <a:endParaRPr lang="zh-CN" altLang="en-US"/>
           </a:p>
@@ -813,7 +813,7 @@
             <a:fld id="{3D5F2CB1-A508-4FC3-96AA-6D83E1A29782}" type="datetimeFigureOut">
               <a:rPr lang="zh-CN" altLang="en-US" smtClean="0"/>
               <a:pPr/>
-              <a:t>2013/12/8</a:t>
+              <a:t>2013/12/11</a:t>
             </a:fld>
             <a:endParaRPr lang="zh-CN" altLang="en-US"/>
           </a:p>
@@ -1056,7 +1056,7 @@
             <a:fld id="{3D5F2CB1-A508-4FC3-96AA-6D83E1A29782}" type="datetimeFigureOut">
               <a:rPr lang="zh-CN" altLang="en-US" smtClean="0"/>
               <a:pPr/>
-              <a:t>2013/12/8</a:t>
+              <a:t>2013/12/11</a:t>
             </a:fld>
             <a:endParaRPr lang="zh-CN" altLang="en-US"/>
           </a:p>
@@ -1341,7 +1341,7 @@
             <a:fld id="{3D5F2CB1-A508-4FC3-96AA-6D83E1A29782}" type="datetimeFigureOut">
               <a:rPr lang="zh-CN" altLang="en-US" smtClean="0"/>
               <a:pPr/>
-              <a:t>2013/12/8</a:t>
+              <a:t>2013/12/11</a:t>
             </a:fld>
             <a:endParaRPr lang="zh-CN" altLang="en-US"/>
           </a:p>
@@ -1760,7 +1760,7 @@
             <a:fld id="{3D5F2CB1-A508-4FC3-96AA-6D83E1A29782}" type="datetimeFigureOut">
               <a:rPr lang="zh-CN" altLang="en-US" smtClean="0"/>
               <a:pPr/>
-              <a:t>2013/12/8</a:t>
+              <a:t>2013/12/11</a:t>
             </a:fld>
             <a:endParaRPr lang="zh-CN" altLang="en-US"/>
           </a:p>
@@ -1875,7 +1875,7 @@
             <a:fld id="{3D5F2CB1-A508-4FC3-96AA-6D83E1A29782}" type="datetimeFigureOut">
               <a:rPr lang="zh-CN" altLang="en-US" smtClean="0"/>
               <a:pPr/>
-              <a:t>2013/12/8</a:t>
+              <a:t>2013/12/11</a:t>
             </a:fld>
             <a:endParaRPr lang="zh-CN" altLang="en-US"/>
           </a:p>
@@ -1967,7 +1967,7 @@
             <a:fld id="{3D5F2CB1-A508-4FC3-96AA-6D83E1A29782}" type="datetimeFigureOut">
               <a:rPr lang="zh-CN" altLang="en-US" smtClean="0"/>
               <a:pPr/>
-              <a:t>2013/12/8</a:t>
+              <a:t>2013/12/11</a:t>
             </a:fld>
             <a:endParaRPr lang="zh-CN" altLang="en-US"/>
           </a:p>
@@ -2241,7 +2241,7 @@
             <a:fld id="{3D5F2CB1-A508-4FC3-96AA-6D83E1A29782}" type="datetimeFigureOut">
               <a:rPr lang="zh-CN" altLang="en-US" smtClean="0"/>
               <a:pPr/>
-              <a:t>2013/12/8</a:t>
+              <a:t>2013/12/11</a:t>
             </a:fld>
             <a:endParaRPr lang="zh-CN" altLang="en-US"/>
           </a:p>
@@ -2491,7 +2491,7 @@
             <a:fld id="{3D5F2CB1-A508-4FC3-96AA-6D83E1A29782}" type="datetimeFigureOut">
               <a:rPr lang="zh-CN" altLang="en-US" smtClean="0"/>
               <a:pPr/>
-              <a:t>2013/12/8</a:t>
+              <a:t>2013/12/11</a:t>
             </a:fld>
             <a:endParaRPr lang="zh-CN" altLang="en-US"/>
           </a:p>
@@ -2701,7 +2701,7 @@
             <a:fld id="{3D5F2CB1-A508-4FC3-96AA-6D83E1A29782}" type="datetimeFigureOut">
               <a:rPr lang="zh-CN" altLang="en-US" smtClean="0"/>
               <a:pPr/>
-              <a:t>2013/12/8</a:t>
+              <a:t>2013/12/11</a:t>
             </a:fld>
             <a:endParaRPr lang="zh-CN" altLang="en-US"/>
           </a:p>
@@ -5171,7 +5171,7 @@
         </p:nvSpPr>
         <p:spPr>
           <a:xfrm>
-            <a:off x="0" y="1785926"/>
+            <a:off x="0" y="1428736"/>
             <a:ext cx="8666860" cy="1477328"/>
           </a:xfrm>
           <a:prstGeom prst="rect">
@@ -5236,8 +5236,8 @@
         </p:nvSpPr>
         <p:spPr>
           <a:xfrm>
-            <a:off x="428596" y="3500438"/>
-            <a:ext cx="2615203" cy="369332"/>
+            <a:off x="500034" y="3000372"/>
+            <a:ext cx="2657779" cy="369332"/>
           </a:xfrm>
           <a:prstGeom prst="rect">
             <a:avLst/>
@@ -5251,10 +5251,18 @@
           <a:lstStyle/>
           <a:p>
             <a:r>
-              <a:rPr lang="en-US" altLang="zh-CN" dirty="0" smtClean="0"/>
+              <a:rPr lang="en-US" altLang="zh-CN" b="1" dirty="0" smtClean="0">
+                <a:solidFill>
+                  <a:srgbClr val="FF0000"/>
+                </a:solidFill>
+              </a:rPr>
               <a:t>More things in the future:</a:t>
             </a:r>
-            <a:endParaRPr lang="zh-CN" altLang="en-US" dirty="0"/>
+            <a:endParaRPr lang="zh-CN" altLang="en-US" b="1" dirty="0">
+              <a:solidFill>
+                <a:srgbClr val="FF0000"/>
+              </a:solidFill>
+            </a:endParaRPr>
           </a:p>
         </p:txBody>
       </p:sp>
@@ -5267,7 +5275,7 @@
         <p:spPr>
           <a:xfrm>
             <a:off x="500034" y="1000108"/>
-            <a:ext cx="1538691" cy="369332"/>
+            <a:ext cx="1566839" cy="369332"/>
           </a:xfrm>
           <a:prstGeom prst="rect">
             <a:avLst/>
@@ -5281,10 +5289,18 @@
           <a:lstStyle/>
           <a:p>
             <a:r>
-              <a:rPr lang="en-US" altLang="zh-CN" dirty="0" smtClean="0"/>
+              <a:rPr lang="en-US" altLang="zh-CN" b="1" dirty="0" smtClean="0">
+                <a:solidFill>
+                  <a:srgbClr val="FF0000"/>
+                </a:solidFill>
+              </a:rPr>
               <a:t>In this project:</a:t>
             </a:r>
-            <a:endParaRPr lang="zh-CN" altLang="en-US" dirty="0"/>
+            <a:endParaRPr lang="zh-CN" altLang="en-US" b="1" dirty="0">
+              <a:solidFill>
+                <a:srgbClr val="FF0000"/>
+              </a:solidFill>
+            </a:endParaRPr>
           </a:p>
         </p:txBody>
       </p:sp>
@@ -5296,7 +5312,7 @@
         </p:nvSpPr>
         <p:spPr>
           <a:xfrm>
-            <a:off x="151538" y="4286256"/>
+            <a:off x="0" y="3429000"/>
             <a:ext cx="8992462" cy="1477328"/>
           </a:xfrm>
           <a:prstGeom prst="rect">
@@ -5341,6 +5357,95 @@
             <a:pPr marL="342900" indent="-342900">
               <a:buAutoNum type="arabicParenR"/>
             </a:pPr>
+            <a:endParaRPr lang="zh-CN" altLang="en-US" dirty="0"/>
+          </a:p>
+        </p:txBody>
+      </p:sp>
+      <p:sp>
+        <p:nvSpPr>
+          <p:cNvPr id="9" name="TextBox 8"/>
+          <p:cNvSpPr txBox="1"/>
+          <p:nvPr/>
+        </p:nvSpPr>
+        <p:spPr>
+          <a:xfrm>
+            <a:off x="500034" y="4786322"/>
+            <a:ext cx="2173415" cy="369332"/>
+          </a:xfrm>
+          <a:prstGeom prst="rect">
+            <a:avLst/>
+          </a:prstGeom>
+          <a:noFill/>
+        </p:spPr>
+        <p:txBody>
+          <a:bodyPr wrap="none" rtlCol="0">
+            <a:spAutoFit/>
+          </a:bodyPr>
+          <a:lstStyle/>
+          <a:p>
+            <a:r>
+              <a:rPr lang="en-US" altLang="zh-CN" b="1" dirty="0" smtClean="0">
+                <a:solidFill>
+                  <a:srgbClr val="FF0000"/>
+                </a:solidFill>
+              </a:rPr>
+              <a:t>Take-home message:</a:t>
+            </a:r>
+            <a:endParaRPr lang="zh-CN" altLang="en-US" b="1" dirty="0">
+              <a:solidFill>
+                <a:srgbClr val="FF0000"/>
+              </a:solidFill>
+            </a:endParaRPr>
+          </a:p>
+        </p:txBody>
+      </p:sp>
+      <p:sp>
+        <p:nvSpPr>
+          <p:cNvPr id="10" name="TextBox 9"/>
+          <p:cNvSpPr txBox="1"/>
+          <p:nvPr/>
+        </p:nvSpPr>
+        <p:spPr>
+          <a:xfrm>
+            <a:off x="0" y="5286388"/>
+            <a:ext cx="5997091" cy="923330"/>
+          </a:xfrm>
+          <a:prstGeom prst="rect">
+            <a:avLst/>
+          </a:prstGeom>
+          <a:noFill/>
+        </p:spPr>
+        <p:txBody>
+          <a:bodyPr wrap="none" rtlCol="0">
+            <a:spAutoFit/>
+          </a:bodyPr>
+          <a:lstStyle/>
+          <a:p>
+            <a:pPr marL="342900" indent="-342900">
+              <a:buAutoNum type="arabicParenR"/>
+            </a:pPr>
+            <a:r>
+              <a:rPr lang="en-US" altLang="zh-CN" dirty="0" smtClean="0"/>
+              <a:t>SOC=‘self-organized’ +’ critical’</a:t>
+            </a:r>
+          </a:p>
+          <a:p>
+            <a:pPr marL="342900" indent="-342900">
+              <a:buAutoNum type="arabicParenR"/>
+            </a:pPr>
+            <a:r>
+              <a:rPr lang="en-US" altLang="zh-CN" dirty="0" smtClean="0"/>
+              <a:t>SOC can be found everywhere. FFM is one of the systems. </a:t>
+            </a:r>
+          </a:p>
+          <a:p>
+            <a:pPr marL="342900" indent="-342900">
+              <a:buAutoNum type="arabicParenR"/>
+            </a:pPr>
+            <a:r>
+              <a:rPr lang="en-US" altLang="zh-CN" dirty="0" smtClean="0"/>
+              <a:t>3 main properties of SOC </a:t>
+            </a:r>
             <a:endParaRPr lang="zh-CN" altLang="en-US" dirty="0"/>
           </a:p>
         </p:txBody>
@@ -6520,7 +6625,7 @@
         </p:nvSpPr>
         <p:spPr>
           <a:xfrm>
-            <a:off x="357158" y="1785926"/>
+            <a:off x="357158" y="1500174"/>
             <a:ext cx="6454203" cy="1477328"/>
           </a:xfrm>
           <a:prstGeom prst="rect">
@@ -6761,32 +6866,6 @@
           <p:nvPr/>
         </p:nvPicPr>
         <p:blipFill>
-          <a:blip r:embed="rId2"/>
-          <a:srcRect/>
-          <a:stretch>
-            <a:fillRect/>
-          </a:stretch>
-        </p:blipFill>
-        <p:spPr bwMode="auto">
-          <a:xfrm>
-            <a:off x="2500298" y="4857760"/>
-            <a:ext cx="2357454" cy="1643050"/>
-          </a:xfrm>
-          <a:prstGeom prst="rect">
-            <a:avLst/>
-          </a:prstGeom>
-          <a:noFill/>
-        </p:spPr>
-      </p:pic>
-      <p:pic>
-        <p:nvPicPr>
-          <p:cNvPr id="5123" name="Picture 3" descr="C:\Users\Sony\Desktop\GaWC_World_Cities.png"/>
-          <p:cNvPicPr>
-            <a:picLocks noChangeAspect="1" noChangeArrowheads="1"/>
-          </p:cNvPicPr>
-          <p:nvPr/>
-        </p:nvPicPr>
-        <p:blipFill>
           <a:blip r:embed="rId3"/>
           <a:srcRect/>
           <a:stretch>
@@ -6795,8 +6874,8 @@
         </p:blipFill>
         <p:spPr bwMode="auto">
           <a:xfrm>
-            <a:off x="6500826" y="4071942"/>
-            <a:ext cx="2428892" cy="1571636"/>
+            <a:off x="2357422" y="4929198"/>
+            <a:ext cx="2767452" cy="1928802"/>
           </a:xfrm>
           <a:prstGeom prst="rect">
             <a:avLst/>
@@ -6806,7 +6885,7 @@
       </p:pic>
       <p:pic>
         <p:nvPicPr>
-          <p:cNvPr id="5124" name="Picture 4" descr="C:\Users\Sony\Desktop\images (1).jpg"/>
+          <p:cNvPr id="5123" name="Picture 3" descr="C:\Users\Sony\Desktop\GaWC_World_Cities.png"/>
           <p:cNvPicPr>
             <a:picLocks noChangeAspect="1" noChangeArrowheads="1"/>
           </p:cNvPicPr>
@@ -6821,8 +6900,8 @@
         </p:blipFill>
         <p:spPr bwMode="auto">
           <a:xfrm>
-            <a:off x="4214810" y="2643182"/>
-            <a:ext cx="2357454" cy="1695029"/>
+            <a:off x="6500826" y="4071942"/>
+            <a:ext cx="2428892" cy="1571636"/>
           </a:xfrm>
           <a:prstGeom prst="rect">
             <a:avLst/>
@@ -6830,6 +6909,52 @@
           <a:noFill/>
         </p:spPr>
       </p:pic>
+      <p:pic>
+        <p:nvPicPr>
+          <p:cNvPr id="5124" name="Picture 4" descr="C:\Users\Sony\Desktop\images (1).jpg"/>
+          <p:cNvPicPr>
+            <a:picLocks noChangeAspect="1" noChangeArrowheads="1"/>
+          </p:cNvPicPr>
+          <p:nvPr/>
+        </p:nvPicPr>
+        <p:blipFill>
+          <a:blip r:embed="rId5"/>
+          <a:srcRect/>
+          <a:stretch>
+            <a:fillRect/>
+          </a:stretch>
+        </p:blipFill>
+        <p:spPr bwMode="auto">
+          <a:xfrm>
+            <a:off x="4214810" y="2643182"/>
+            <a:ext cx="2357454" cy="1695029"/>
+          </a:xfrm>
+          <a:prstGeom prst="rect">
+            <a:avLst/>
+          </a:prstGeom>
+          <a:noFill/>
+        </p:spPr>
+      </p:pic>
+      <p:graphicFrame>
+        <p:nvGraphicFramePr>
+          <p:cNvPr id="10241" name="Object 1"/>
+          <p:cNvGraphicFramePr>
+            <a:graphicFrameLocks noChangeAspect="1"/>
+          </p:cNvGraphicFramePr>
+          <p:nvPr/>
+        </p:nvGraphicFramePr>
+        <p:xfrm>
+          <a:off x="1071538" y="5357826"/>
+          <a:ext cx="865188" cy="398463"/>
+        </p:xfrm>
+        <a:graphic>
+          <a:graphicData uri="http://schemas.openxmlformats.org/presentationml/2006/ole">
+            <p:oleObj spid="_x0000_s10241" name="Equation" r:id="rId6" imgW="495000" imgH="228600" progId="Equation.DSMT4">
+              <p:embed/>
+            </p:oleObj>
+          </a:graphicData>
+        </a:graphic>
+      </p:graphicFrame>
     </p:spTree>
   </p:cSld>
   <p:clrMapOvr>

--- a/presentation/presentation FFM&SOC.pptx
+++ b/presentation/presentation FFM&SOC.pptx
@@ -302,7 +302,7 @@
             <a:fld id="{3D5F2CB1-A508-4FC3-96AA-6D83E1A29782}" type="datetimeFigureOut">
               <a:rPr lang="zh-CN" altLang="en-US" smtClean="0"/>
               <a:pPr/>
-              <a:t>2013/12/11</a:t>
+              <a:t>2013/12/17</a:t>
             </a:fld>
             <a:endParaRPr lang="zh-CN" altLang="en-US"/>
           </a:p>
@@ -469,7 +469,7 @@
             <a:fld id="{3D5F2CB1-A508-4FC3-96AA-6D83E1A29782}" type="datetimeFigureOut">
               <a:rPr lang="zh-CN" altLang="en-US" smtClean="0"/>
               <a:pPr/>
-              <a:t>2013/12/11</a:t>
+              <a:t>2013/12/17</a:t>
             </a:fld>
             <a:endParaRPr lang="zh-CN" altLang="en-US"/>
           </a:p>
@@ -646,7 +646,7 @@
             <a:fld id="{3D5F2CB1-A508-4FC3-96AA-6D83E1A29782}" type="datetimeFigureOut">
               <a:rPr lang="zh-CN" altLang="en-US" smtClean="0"/>
               <a:pPr/>
-              <a:t>2013/12/11</a:t>
+              <a:t>2013/12/17</a:t>
             </a:fld>
             <a:endParaRPr lang="zh-CN" altLang="en-US"/>
           </a:p>
@@ -813,7 +813,7 @@
             <a:fld id="{3D5F2CB1-A508-4FC3-96AA-6D83E1A29782}" type="datetimeFigureOut">
               <a:rPr lang="zh-CN" altLang="en-US" smtClean="0"/>
               <a:pPr/>
-              <a:t>2013/12/11</a:t>
+              <a:t>2013/12/17</a:t>
             </a:fld>
             <a:endParaRPr lang="zh-CN" altLang="en-US"/>
           </a:p>
@@ -1056,7 +1056,7 @@
             <a:fld id="{3D5F2CB1-A508-4FC3-96AA-6D83E1A29782}" type="datetimeFigureOut">
               <a:rPr lang="zh-CN" altLang="en-US" smtClean="0"/>
               <a:pPr/>
-              <a:t>2013/12/11</a:t>
+              <a:t>2013/12/17</a:t>
             </a:fld>
             <a:endParaRPr lang="zh-CN" altLang="en-US"/>
           </a:p>
@@ -1341,7 +1341,7 @@
             <a:fld id="{3D5F2CB1-A508-4FC3-96AA-6D83E1A29782}" type="datetimeFigureOut">
               <a:rPr lang="zh-CN" altLang="en-US" smtClean="0"/>
               <a:pPr/>
-              <a:t>2013/12/11</a:t>
+              <a:t>2013/12/17</a:t>
             </a:fld>
             <a:endParaRPr lang="zh-CN" altLang="en-US"/>
           </a:p>
@@ -1760,7 +1760,7 @@
             <a:fld id="{3D5F2CB1-A508-4FC3-96AA-6D83E1A29782}" type="datetimeFigureOut">
               <a:rPr lang="zh-CN" altLang="en-US" smtClean="0"/>
               <a:pPr/>
-              <a:t>2013/12/11</a:t>
+              <a:t>2013/12/17</a:t>
             </a:fld>
             <a:endParaRPr lang="zh-CN" altLang="en-US"/>
           </a:p>
@@ -1875,7 +1875,7 @@
             <a:fld id="{3D5F2CB1-A508-4FC3-96AA-6D83E1A29782}" type="datetimeFigureOut">
               <a:rPr lang="zh-CN" altLang="en-US" smtClean="0"/>
               <a:pPr/>
-              <a:t>2013/12/11</a:t>
+              <a:t>2013/12/17</a:t>
             </a:fld>
             <a:endParaRPr lang="zh-CN" altLang="en-US"/>
           </a:p>
@@ -1967,7 +1967,7 @@
             <a:fld id="{3D5F2CB1-A508-4FC3-96AA-6D83E1A29782}" type="datetimeFigureOut">
               <a:rPr lang="zh-CN" altLang="en-US" smtClean="0"/>
               <a:pPr/>
-              <a:t>2013/12/11</a:t>
+              <a:t>2013/12/17</a:t>
             </a:fld>
             <a:endParaRPr lang="zh-CN" altLang="en-US"/>
           </a:p>
@@ -2241,7 +2241,7 @@
             <a:fld id="{3D5F2CB1-A508-4FC3-96AA-6D83E1A29782}" type="datetimeFigureOut">
               <a:rPr lang="zh-CN" altLang="en-US" smtClean="0"/>
               <a:pPr/>
-              <a:t>2013/12/11</a:t>
+              <a:t>2013/12/17</a:t>
             </a:fld>
             <a:endParaRPr lang="zh-CN" altLang="en-US"/>
           </a:p>
@@ -2491,7 +2491,7 @@
             <a:fld id="{3D5F2CB1-A508-4FC3-96AA-6D83E1A29782}" type="datetimeFigureOut">
               <a:rPr lang="zh-CN" altLang="en-US" smtClean="0"/>
               <a:pPr/>
-              <a:t>2013/12/11</a:t>
+              <a:t>2013/12/17</a:t>
             </a:fld>
             <a:endParaRPr lang="zh-CN" altLang="en-US"/>
           </a:p>
@@ -2701,7 +2701,7 @@
             <a:fld id="{3D5F2CB1-A508-4FC3-96AA-6D83E1A29782}" type="datetimeFigureOut">
               <a:rPr lang="zh-CN" altLang="en-US" smtClean="0"/>
               <a:pPr/>
-              <a:t>2013/12/11</a:t>
+              <a:t>2013/12/17</a:t>
             </a:fld>
             <a:endParaRPr lang="zh-CN" altLang="en-US"/>
           </a:p>
@@ -4273,6 +4273,13 @@
   <p:clrMapOvr>
     <a:masterClrMapping/>
   </p:clrMapOvr>
+  <p:timing>
+    <p:tnLst>
+      <p:par>
+        <p:cTn id="1" dur="indefinite" restart="never" nodeType="tmRoot"/>
+      </p:par>
+    </p:tnLst>
+  </p:timing>
 </p:sld>
 </file>
 
@@ -4791,6 +4798,13 @@
   <p:clrMapOvr>
     <a:masterClrMapping/>
   </p:clrMapOvr>
+  <p:timing>
+    <p:tnLst>
+      <p:par>
+        <p:cTn id="1" dur="indefinite" restart="never" nodeType="tmRoot"/>
+      </p:par>
+    </p:tnLst>
+  </p:timing>
 </p:sld>
 </file>
 
@@ -4882,7 +4896,7 @@
         </p:nvSpPr>
         <p:spPr>
           <a:xfrm>
-            <a:off x="0" y="1000108"/>
+            <a:off x="0" y="857232"/>
             <a:ext cx="9144000" cy="400110"/>
           </a:xfrm>
           <a:prstGeom prst="rect">
@@ -4936,150 +4950,1337 @@
           </a:p>
         </p:txBody>
       </p:sp>
-      <p:pic>
-        <p:nvPicPr>
-          <p:cNvPr id="7" name="Picture 11" descr="C:\Users\Sony\Desktop\loglogplot.png"/>
-          <p:cNvPicPr>
-            <a:picLocks noChangeAspect="1" noChangeArrowheads="1"/>
-          </p:cNvPicPr>
+      <p:grpSp>
+        <p:nvGrpSpPr>
+          <p:cNvPr id="11" name="Group 10"/>
+          <p:cNvGrpSpPr/>
           <p:nvPr/>
-        </p:nvPicPr>
-        <p:blipFill>
-          <a:blip r:embed="rId3"/>
-          <a:srcRect/>
-          <a:stretch>
-            <a:fillRect/>
-          </a:stretch>
-        </p:blipFill>
-        <p:spPr bwMode="auto">
+        </p:nvGrpSpPr>
+        <p:grpSpPr>
           <a:xfrm>
-            <a:off x="4500562" y="1785926"/>
-            <a:ext cx="4643438" cy="4357718"/>
+            <a:off x="714348" y="1357298"/>
+            <a:ext cx="8001024" cy="5500702"/>
+            <a:chOff x="0" y="0"/>
+            <a:chExt cx="9144000" cy="6858000"/>
           </a:xfrm>
-          <a:prstGeom prst="rect">
-            <a:avLst/>
-          </a:prstGeom>
-          <a:noFill/>
-        </p:spPr>
-      </p:pic>
-      <p:pic>
-        <p:nvPicPr>
-          <p:cNvPr id="8" name="Picture 14"/>
-          <p:cNvPicPr>
-            <a:picLocks noChangeAspect="1" noChangeArrowheads="1"/>
-          </p:cNvPicPr>
-          <p:nvPr/>
-        </p:nvPicPr>
-        <p:blipFill>
-          <a:blip r:embed="rId4"/>
-          <a:srcRect/>
-          <a:stretch>
-            <a:fillRect/>
-          </a:stretch>
-        </p:blipFill>
-        <p:spPr bwMode="auto">
-          <a:xfrm>
-            <a:off x="214282" y="2000240"/>
-            <a:ext cx="4143404" cy="3857652"/>
-          </a:xfrm>
-          <a:prstGeom prst="rect">
-            <a:avLst/>
-          </a:prstGeom>
-          <a:noFill/>
-          <a:ln w="9525">
+        </p:grpSpPr>
+        <p:grpSp>
+          <p:nvGrpSpPr>
+            <p:cNvPr id="13" name="Group 67"/>
+            <p:cNvGrpSpPr/>
+            <p:nvPr/>
+          </p:nvGrpSpPr>
+          <p:grpSpPr>
+            <a:xfrm>
+              <a:off x="0" y="0"/>
+              <a:ext cx="9144000" cy="6858000"/>
+              <a:chOff x="0" y="0"/>
+              <a:chExt cx="9144000" cy="6858000"/>
+            </a:xfrm>
+          </p:grpSpPr>
+          <p:pic>
+            <p:nvPicPr>
+              <p:cNvPr id="16" name="Picture 2" descr="C:\Users\Sony\Desktop\count.png"/>
+              <p:cNvPicPr>
+                <a:picLocks noChangeAspect="1" noChangeArrowheads="1"/>
+              </p:cNvPicPr>
+              <p:nvPr/>
+            </p:nvPicPr>
+            <p:blipFill>
+              <a:blip r:embed="rId3"/>
+              <a:srcRect/>
+              <a:stretch>
+                <a:fillRect/>
+              </a:stretch>
+            </p:blipFill>
+            <p:spPr bwMode="auto">
+              <a:xfrm>
+                <a:off x="2143108" y="0"/>
+                <a:ext cx="4929222" cy="3000372"/>
+              </a:xfrm>
+              <a:prstGeom prst="rect">
+                <a:avLst/>
+              </a:prstGeom>
+              <a:noFill/>
+            </p:spPr>
+          </p:pic>
+          <p:pic>
+            <p:nvPicPr>
+              <p:cNvPr id="17" name="Picture 3" descr="C:\Users\Sony\Desktop\60.png"/>
+              <p:cNvPicPr>
+                <a:picLocks noChangeAspect="1" noChangeArrowheads="1"/>
+              </p:cNvPicPr>
+              <p:nvPr/>
+            </p:nvPicPr>
+            <p:blipFill>
+              <a:blip r:embed="rId4"/>
+              <a:srcRect/>
+              <a:stretch>
+                <a:fillRect/>
+              </a:stretch>
+            </p:blipFill>
+            <p:spPr bwMode="auto">
+              <a:xfrm>
+                <a:off x="1" y="0"/>
+                <a:ext cx="2285984" cy="2071678"/>
+              </a:xfrm>
+              <a:prstGeom prst="rect">
+                <a:avLst/>
+              </a:prstGeom>
+              <a:noFill/>
+            </p:spPr>
+          </p:pic>
+          <p:pic>
+            <p:nvPicPr>
+              <p:cNvPr id="18" name="Picture 4" descr="C:\Users\Sony\Desktop\100.png"/>
+              <p:cNvPicPr>
+                <a:picLocks noChangeAspect="1" noChangeArrowheads="1"/>
+              </p:cNvPicPr>
+              <p:nvPr/>
+            </p:nvPicPr>
+            <p:blipFill>
+              <a:blip r:embed="rId5" cstate="print"/>
+              <a:srcRect/>
+              <a:stretch>
+                <a:fillRect/>
+              </a:stretch>
+            </p:blipFill>
+            <p:spPr bwMode="auto">
+              <a:xfrm>
+                <a:off x="0" y="2071678"/>
+                <a:ext cx="2285983" cy="2071702"/>
+              </a:xfrm>
+              <a:prstGeom prst="rect">
+                <a:avLst/>
+              </a:prstGeom>
+              <a:noFill/>
+            </p:spPr>
+          </p:pic>
+          <p:pic>
+            <p:nvPicPr>
+              <p:cNvPr id="19" name="Picture 6" descr="C:\Users\Sony\Desktop\180.png"/>
+              <p:cNvPicPr>
+                <a:picLocks noChangeAspect="1" noChangeArrowheads="1"/>
+              </p:cNvPicPr>
+              <p:nvPr/>
+            </p:nvPicPr>
+            <p:blipFill>
+              <a:blip r:embed="rId6"/>
+              <a:srcRect/>
+              <a:stretch>
+                <a:fillRect/>
+              </a:stretch>
+            </p:blipFill>
+            <p:spPr bwMode="auto">
+              <a:xfrm>
+                <a:off x="0" y="4143380"/>
+                <a:ext cx="2285984" cy="2071678"/>
+              </a:xfrm>
+              <a:prstGeom prst="rect">
+                <a:avLst/>
+              </a:prstGeom>
+              <a:noFill/>
+            </p:spPr>
+          </p:pic>
+          <p:pic>
+            <p:nvPicPr>
+              <p:cNvPr id="20" name="Picture 7" descr="C:\Users\Sony\Desktop\550.png"/>
+              <p:cNvPicPr>
+                <a:picLocks noChangeAspect="1" noChangeArrowheads="1"/>
+              </p:cNvPicPr>
+              <p:nvPr/>
+            </p:nvPicPr>
+            <p:blipFill>
+              <a:blip r:embed="rId7"/>
+              <a:srcRect/>
+              <a:stretch>
+                <a:fillRect/>
+              </a:stretch>
+            </p:blipFill>
+            <p:spPr bwMode="auto">
+              <a:xfrm>
+                <a:off x="6857984" y="0"/>
+                <a:ext cx="2286016" cy="2071702"/>
+              </a:xfrm>
+              <a:prstGeom prst="rect">
+                <a:avLst/>
+              </a:prstGeom>
+              <a:noFill/>
+            </p:spPr>
+          </p:pic>
+          <p:pic>
+            <p:nvPicPr>
+              <p:cNvPr id="21" name="Picture 8" descr="C:\Users\Sony\Desktop\700.png"/>
+              <p:cNvPicPr>
+                <a:picLocks noChangeAspect="1" noChangeArrowheads="1"/>
+              </p:cNvPicPr>
+              <p:nvPr/>
+            </p:nvPicPr>
+            <p:blipFill>
+              <a:blip r:embed="rId8" cstate="print"/>
+              <a:srcRect/>
+              <a:stretch>
+                <a:fillRect/>
+              </a:stretch>
+            </p:blipFill>
+            <p:spPr bwMode="auto">
+              <a:xfrm>
+                <a:off x="6858016" y="2071678"/>
+                <a:ext cx="2285984" cy="2143140"/>
+              </a:xfrm>
+              <a:prstGeom prst="rect">
+                <a:avLst/>
+              </a:prstGeom>
+              <a:noFill/>
+            </p:spPr>
+          </p:pic>
+          <p:pic>
+            <p:nvPicPr>
+              <p:cNvPr id="22" name="Picture 9" descr="C:\Users\Sony\Desktop\770.png"/>
+              <p:cNvPicPr>
+                <a:picLocks noChangeAspect="1" noChangeArrowheads="1"/>
+              </p:cNvPicPr>
+              <p:nvPr/>
+            </p:nvPicPr>
+            <p:blipFill>
+              <a:blip r:embed="rId9" cstate="print"/>
+              <a:srcRect/>
+              <a:stretch>
+                <a:fillRect/>
+              </a:stretch>
+            </p:blipFill>
+            <p:spPr bwMode="auto">
+              <a:xfrm>
+                <a:off x="6846904" y="4214818"/>
+                <a:ext cx="2297096" cy="2071702"/>
+              </a:xfrm>
+              <a:prstGeom prst="rect">
+                <a:avLst/>
+              </a:prstGeom>
+              <a:noFill/>
+            </p:spPr>
+          </p:pic>
+          <p:sp>
+            <p:nvSpPr>
+              <p:cNvPr id="23" name="TextBox 22"/>
+              <p:cNvSpPr txBox="1"/>
+              <p:nvPr/>
+            </p:nvSpPr>
+            <p:spPr>
+              <a:xfrm>
+                <a:off x="857224" y="1928802"/>
+                <a:ext cx="614271" cy="246221"/>
+              </a:xfrm>
+              <a:prstGeom prst="rect">
+                <a:avLst/>
+              </a:prstGeom>
+              <a:noFill/>
+            </p:spPr>
+            <p:txBody>
+              <a:bodyPr wrap="none" rtlCol="0">
+                <a:spAutoFit/>
+              </a:bodyPr>
+              <a:lstStyle/>
+              <a:p>
+                <a:r>
+                  <a:rPr lang="en-US" altLang="zh-CN" sz="1000" dirty="0" smtClean="0"/>
+                  <a:t>Step=60</a:t>
+                </a:r>
+                <a:endParaRPr lang="zh-CN" altLang="en-US" sz="1000" dirty="0"/>
+              </a:p>
+            </p:txBody>
+          </p:sp>
+          <p:sp>
+            <p:nvSpPr>
+              <p:cNvPr id="24" name="TextBox 23"/>
+              <p:cNvSpPr txBox="1"/>
+              <p:nvPr/>
+            </p:nvSpPr>
+            <p:spPr>
+              <a:xfrm>
+                <a:off x="857224" y="4000504"/>
+                <a:ext cx="679994" cy="246221"/>
+              </a:xfrm>
+              <a:prstGeom prst="rect">
+                <a:avLst/>
+              </a:prstGeom>
+              <a:noFill/>
+            </p:spPr>
+            <p:txBody>
+              <a:bodyPr wrap="none" rtlCol="0">
+                <a:spAutoFit/>
+              </a:bodyPr>
+              <a:lstStyle/>
+              <a:p>
+                <a:r>
+                  <a:rPr lang="en-US" altLang="zh-CN" sz="1000" dirty="0" smtClean="0"/>
+                  <a:t>Step=100</a:t>
+                </a:r>
+                <a:endParaRPr lang="zh-CN" altLang="en-US" sz="1000" dirty="0"/>
+              </a:p>
+            </p:txBody>
+          </p:sp>
+          <p:sp>
+            <p:nvSpPr>
+              <p:cNvPr id="25" name="TextBox 24"/>
+              <p:cNvSpPr txBox="1"/>
+              <p:nvPr/>
+            </p:nvSpPr>
+            <p:spPr>
+              <a:xfrm>
+                <a:off x="857224" y="6072206"/>
+                <a:ext cx="679994" cy="246221"/>
+              </a:xfrm>
+              <a:prstGeom prst="rect">
+                <a:avLst/>
+              </a:prstGeom>
+              <a:noFill/>
+            </p:spPr>
+            <p:txBody>
+              <a:bodyPr wrap="none" rtlCol="0">
+                <a:spAutoFit/>
+              </a:bodyPr>
+              <a:lstStyle/>
+              <a:p>
+                <a:r>
+                  <a:rPr lang="en-US" altLang="zh-CN" sz="1000" dirty="0" smtClean="0"/>
+                  <a:t>Step=180</a:t>
+                </a:r>
+                <a:endParaRPr lang="zh-CN" altLang="en-US" sz="1000" dirty="0"/>
+              </a:p>
+            </p:txBody>
+          </p:sp>
+          <p:sp>
+            <p:nvSpPr>
+              <p:cNvPr id="26" name="TextBox 25"/>
+              <p:cNvSpPr txBox="1"/>
+              <p:nvPr/>
+            </p:nvSpPr>
+            <p:spPr>
+              <a:xfrm>
+                <a:off x="7715272" y="1928802"/>
+                <a:ext cx="679994" cy="246221"/>
+              </a:xfrm>
+              <a:prstGeom prst="rect">
+                <a:avLst/>
+              </a:prstGeom>
+              <a:noFill/>
+            </p:spPr>
+            <p:txBody>
+              <a:bodyPr wrap="none" rtlCol="0">
+                <a:spAutoFit/>
+              </a:bodyPr>
+              <a:lstStyle/>
+              <a:p>
+                <a:r>
+                  <a:rPr lang="en-US" altLang="zh-CN" sz="1000" dirty="0" smtClean="0"/>
+                  <a:t>Step=550</a:t>
+                </a:r>
+                <a:endParaRPr lang="zh-CN" altLang="en-US" sz="1000" dirty="0"/>
+              </a:p>
+            </p:txBody>
+          </p:sp>
+          <p:sp>
+            <p:nvSpPr>
+              <p:cNvPr id="27" name="TextBox 26"/>
+              <p:cNvSpPr txBox="1"/>
+              <p:nvPr/>
+            </p:nvSpPr>
+            <p:spPr>
+              <a:xfrm>
+                <a:off x="7715272" y="4071942"/>
+                <a:ext cx="679994" cy="246221"/>
+              </a:xfrm>
+              <a:prstGeom prst="rect">
+                <a:avLst/>
+              </a:prstGeom>
+              <a:noFill/>
+            </p:spPr>
+            <p:txBody>
+              <a:bodyPr wrap="none" rtlCol="0">
+                <a:spAutoFit/>
+              </a:bodyPr>
+              <a:lstStyle/>
+              <a:p>
+                <a:r>
+                  <a:rPr lang="en-US" altLang="zh-CN" sz="1000" dirty="0" smtClean="0"/>
+                  <a:t>Step=700</a:t>
+                </a:r>
+                <a:endParaRPr lang="zh-CN" altLang="en-US" sz="1000" dirty="0"/>
+              </a:p>
+            </p:txBody>
+          </p:sp>
+          <p:sp>
+            <p:nvSpPr>
+              <p:cNvPr id="28" name="TextBox 27"/>
+              <p:cNvSpPr txBox="1"/>
+              <p:nvPr/>
+            </p:nvSpPr>
+            <p:spPr>
+              <a:xfrm>
+                <a:off x="7715272" y="6143644"/>
+                <a:ext cx="679994" cy="246221"/>
+              </a:xfrm>
+              <a:prstGeom prst="rect">
+                <a:avLst/>
+              </a:prstGeom>
+              <a:noFill/>
+            </p:spPr>
+            <p:txBody>
+              <a:bodyPr wrap="none" rtlCol="0">
+                <a:spAutoFit/>
+              </a:bodyPr>
+              <a:lstStyle/>
+              <a:p>
+                <a:r>
+                  <a:rPr lang="en-US" altLang="zh-CN" sz="1000" dirty="0" smtClean="0"/>
+                  <a:t>Step=770</a:t>
+                </a:r>
+                <a:endParaRPr lang="zh-CN" altLang="en-US" sz="1000" dirty="0"/>
+              </a:p>
+            </p:txBody>
+          </p:sp>
+          <p:sp>
+            <p:nvSpPr>
+              <p:cNvPr id="29" name="Rectangle 28"/>
+              <p:cNvSpPr/>
+              <p:nvPr/>
+            </p:nvSpPr>
+            <p:spPr>
+              <a:xfrm>
+                <a:off x="2786050" y="214290"/>
+                <a:ext cx="214314" cy="2428892"/>
+              </a:xfrm>
+              <a:prstGeom prst="rect">
+                <a:avLst/>
+              </a:prstGeom>
+              <a:noFill/>
+              <a:ln>
+                <a:solidFill>
+                  <a:schemeClr val="accent6"/>
+                </a:solidFill>
+              </a:ln>
+            </p:spPr>
+            <p:style>
+              <a:lnRef idx="2">
+                <a:schemeClr val="accent1">
+                  <a:shade val="50000"/>
+                </a:schemeClr>
+              </a:lnRef>
+              <a:fillRef idx="1">
+                <a:schemeClr val="accent1"/>
+              </a:fillRef>
+              <a:effectRef idx="0">
+                <a:schemeClr val="accent1"/>
+              </a:effectRef>
+              <a:fontRef idx="minor">
+                <a:schemeClr val="lt1"/>
+              </a:fontRef>
+            </p:style>
+            <p:txBody>
+              <a:bodyPr rtlCol="0" anchor="ctr"/>
+              <a:lstStyle/>
+              <a:p>
+                <a:pPr algn="ctr"/>
+                <a:endParaRPr lang="zh-CN" altLang="en-US"/>
+              </a:p>
+            </p:txBody>
+          </p:sp>
+          <p:cxnSp>
+            <p:nvCxnSpPr>
+              <p:cNvPr id="30" name="Straight Arrow Connector 29"/>
+              <p:cNvCxnSpPr/>
+              <p:nvPr/>
+            </p:nvCxnSpPr>
+            <p:spPr>
+              <a:xfrm rot="5400000">
+                <a:off x="3001158" y="2070884"/>
+                <a:ext cx="285752" cy="1588"/>
+              </a:xfrm>
+              <a:prstGeom prst="straightConnector1">
+                <a:avLst/>
+              </a:prstGeom>
+              <a:ln>
+                <a:tailEnd type="arrow"/>
+              </a:ln>
+            </p:spPr>
+            <p:style>
+              <a:lnRef idx="1">
+                <a:schemeClr val="accent1"/>
+              </a:lnRef>
+              <a:fillRef idx="0">
+                <a:schemeClr val="accent1"/>
+              </a:fillRef>
+              <a:effectRef idx="0">
+                <a:schemeClr val="accent1"/>
+              </a:effectRef>
+              <a:fontRef idx="minor">
+                <a:schemeClr val="tx1"/>
+              </a:fontRef>
+            </p:style>
+          </p:cxnSp>
+          <p:sp>
+            <p:nvSpPr>
+              <p:cNvPr id="31" name="TextBox 30"/>
+              <p:cNvSpPr txBox="1"/>
+              <p:nvPr/>
+            </p:nvSpPr>
+            <p:spPr>
+              <a:xfrm>
+                <a:off x="3000364" y="1714488"/>
+                <a:ext cx="381836" cy="246221"/>
+              </a:xfrm>
+              <a:prstGeom prst="rect">
+                <a:avLst/>
+              </a:prstGeom>
+              <a:noFill/>
+            </p:spPr>
+            <p:txBody>
+              <a:bodyPr wrap="none" rtlCol="0">
+                <a:spAutoFit/>
+              </a:bodyPr>
+              <a:lstStyle/>
+              <a:p>
+                <a:r>
+                  <a:rPr lang="en-US" altLang="zh-CN" sz="1000" dirty="0" smtClean="0"/>
+                  <a:t>100</a:t>
+                </a:r>
+                <a:endParaRPr lang="zh-CN" altLang="en-US" sz="1000" dirty="0"/>
+              </a:p>
+            </p:txBody>
+          </p:sp>
+          <p:cxnSp>
+            <p:nvCxnSpPr>
+              <p:cNvPr id="32" name="Straight Arrow Connector 31"/>
+              <p:cNvCxnSpPr/>
+              <p:nvPr/>
+            </p:nvCxnSpPr>
+            <p:spPr>
+              <a:xfrm rot="5400000" flipH="1" flipV="1">
+                <a:off x="2858282" y="2713826"/>
+                <a:ext cx="285752" cy="1588"/>
+              </a:xfrm>
+              <a:prstGeom prst="straightConnector1">
+                <a:avLst/>
+              </a:prstGeom>
+              <a:ln>
+                <a:tailEnd type="arrow"/>
+              </a:ln>
+            </p:spPr>
+            <p:style>
+              <a:lnRef idx="1">
+                <a:schemeClr val="accent1"/>
+              </a:lnRef>
+              <a:fillRef idx="0">
+                <a:schemeClr val="accent1"/>
+              </a:fillRef>
+              <a:effectRef idx="0">
+                <a:schemeClr val="accent1"/>
+              </a:effectRef>
+              <a:fontRef idx="minor">
+                <a:schemeClr val="tx1"/>
+              </a:fontRef>
+            </p:style>
+          </p:cxnSp>
+          <p:sp>
+            <p:nvSpPr>
+              <p:cNvPr id="33" name="TextBox 32"/>
+              <p:cNvSpPr txBox="1"/>
+              <p:nvPr/>
+            </p:nvSpPr>
+            <p:spPr>
+              <a:xfrm>
+                <a:off x="2857488" y="2786058"/>
+                <a:ext cx="316112" cy="246221"/>
+              </a:xfrm>
+              <a:prstGeom prst="rect">
+                <a:avLst/>
+              </a:prstGeom>
+              <a:noFill/>
+            </p:spPr>
+            <p:txBody>
+              <a:bodyPr wrap="none" rtlCol="0">
+                <a:spAutoFit/>
+              </a:bodyPr>
+              <a:lstStyle/>
+              <a:p>
+                <a:r>
+                  <a:rPr lang="en-US" altLang="zh-CN" sz="1000" dirty="0" smtClean="0"/>
+                  <a:t>60</a:t>
+                </a:r>
+                <a:endParaRPr lang="zh-CN" altLang="en-US" sz="1000" dirty="0"/>
+              </a:p>
+            </p:txBody>
+          </p:sp>
+          <p:cxnSp>
+            <p:nvCxnSpPr>
+              <p:cNvPr id="34" name="Straight Arrow Connector 33"/>
+              <p:cNvCxnSpPr/>
+              <p:nvPr/>
+            </p:nvCxnSpPr>
+            <p:spPr>
+              <a:xfrm rot="5400000">
+                <a:off x="3358348" y="2285198"/>
+                <a:ext cx="285752" cy="1588"/>
+              </a:xfrm>
+              <a:prstGeom prst="straightConnector1">
+                <a:avLst/>
+              </a:prstGeom>
+              <a:ln>
+                <a:tailEnd type="arrow"/>
+              </a:ln>
+            </p:spPr>
+            <p:style>
+              <a:lnRef idx="1">
+                <a:schemeClr val="accent1"/>
+              </a:lnRef>
+              <a:fillRef idx="0">
+                <a:schemeClr val="accent1"/>
+              </a:fillRef>
+              <a:effectRef idx="0">
+                <a:schemeClr val="accent1"/>
+              </a:effectRef>
+              <a:fontRef idx="minor">
+                <a:schemeClr val="tx1"/>
+              </a:fontRef>
+            </p:style>
+          </p:cxnSp>
+          <p:sp>
+            <p:nvSpPr>
+              <p:cNvPr id="35" name="TextBox 34"/>
+              <p:cNvSpPr txBox="1"/>
+              <p:nvPr/>
+            </p:nvSpPr>
+            <p:spPr>
+              <a:xfrm>
+                <a:off x="3357554" y="1928802"/>
+                <a:ext cx="381836" cy="246221"/>
+              </a:xfrm>
+              <a:prstGeom prst="rect">
+                <a:avLst/>
+              </a:prstGeom>
+              <a:noFill/>
+            </p:spPr>
+            <p:txBody>
+              <a:bodyPr wrap="none" rtlCol="0">
+                <a:spAutoFit/>
+              </a:bodyPr>
+              <a:lstStyle/>
+              <a:p>
+                <a:r>
+                  <a:rPr lang="en-US" altLang="zh-CN" sz="1000" dirty="0" smtClean="0"/>
+                  <a:t>180</a:t>
+                </a:r>
+                <a:endParaRPr lang="zh-CN" altLang="en-US" sz="1000" dirty="0"/>
+              </a:p>
+            </p:txBody>
+          </p:sp>
+          <p:sp>
+            <p:nvSpPr>
+              <p:cNvPr id="36" name="TextBox 35"/>
+              <p:cNvSpPr txBox="1"/>
+              <p:nvPr/>
+            </p:nvSpPr>
+            <p:spPr>
+              <a:xfrm>
+                <a:off x="4786314" y="2071678"/>
+                <a:ext cx="381836" cy="246221"/>
+              </a:xfrm>
+              <a:prstGeom prst="rect">
+                <a:avLst/>
+              </a:prstGeom>
+              <a:noFill/>
+            </p:spPr>
+            <p:txBody>
+              <a:bodyPr wrap="none" rtlCol="0">
+                <a:spAutoFit/>
+              </a:bodyPr>
+              <a:lstStyle/>
+              <a:p>
+                <a:r>
+                  <a:rPr lang="en-US" altLang="zh-CN" sz="1000" dirty="0" smtClean="0"/>
+                  <a:t>550</a:t>
+                </a:r>
+                <a:endParaRPr lang="zh-CN" altLang="en-US" sz="1000" dirty="0"/>
+              </a:p>
+            </p:txBody>
+          </p:sp>
+          <p:sp>
+            <p:nvSpPr>
+              <p:cNvPr id="37" name="TextBox 36"/>
+              <p:cNvSpPr txBox="1"/>
+              <p:nvPr/>
+            </p:nvSpPr>
+            <p:spPr>
+              <a:xfrm>
+                <a:off x="5286380" y="2786058"/>
+                <a:ext cx="381836" cy="246221"/>
+              </a:xfrm>
+              <a:prstGeom prst="rect">
+                <a:avLst/>
+              </a:prstGeom>
+              <a:noFill/>
+            </p:spPr>
+            <p:txBody>
+              <a:bodyPr wrap="none" rtlCol="0">
+                <a:spAutoFit/>
+              </a:bodyPr>
+              <a:lstStyle/>
+              <a:p>
+                <a:r>
+                  <a:rPr lang="en-US" altLang="zh-CN" sz="1000" dirty="0" smtClean="0"/>
+                  <a:t>700</a:t>
+                </a:r>
+                <a:endParaRPr lang="zh-CN" altLang="en-US" sz="1000" dirty="0"/>
+              </a:p>
+            </p:txBody>
+          </p:sp>
+          <p:cxnSp>
+            <p:nvCxnSpPr>
+              <p:cNvPr id="38" name="Straight Arrow Connector 37"/>
+              <p:cNvCxnSpPr/>
+              <p:nvPr/>
+            </p:nvCxnSpPr>
+            <p:spPr>
+              <a:xfrm rot="5400000">
+                <a:off x="5572926" y="1999446"/>
+                <a:ext cx="285752" cy="1588"/>
+              </a:xfrm>
+              <a:prstGeom prst="straightConnector1">
+                <a:avLst/>
+              </a:prstGeom>
+              <a:ln>
+                <a:tailEnd type="arrow"/>
+              </a:ln>
+            </p:spPr>
+            <p:style>
+              <a:lnRef idx="1">
+                <a:schemeClr val="accent1"/>
+              </a:lnRef>
+              <a:fillRef idx="0">
+                <a:schemeClr val="accent1"/>
+              </a:fillRef>
+              <a:effectRef idx="0">
+                <a:schemeClr val="accent1"/>
+              </a:effectRef>
+              <a:fontRef idx="minor">
+                <a:schemeClr val="tx1"/>
+              </a:fontRef>
+            </p:style>
+          </p:cxnSp>
+          <p:sp>
+            <p:nvSpPr>
+              <p:cNvPr id="39" name="TextBox 38"/>
+              <p:cNvSpPr txBox="1"/>
+              <p:nvPr/>
+            </p:nvSpPr>
+            <p:spPr>
+              <a:xfrm>
+                <a:off x="5429256" y="1643050"/>
+                <a:ext cx="381836" cy="246221"/>
+              </a:xfrm>
+              <a:prstGeom prst="rect">
+                <a:avLst/>
+              </a:prstGeom>
+              <a:noFill/>
+            </p:spPr>
+            <p:txBody>
+              <a:bodyPr wrap="none" rtlCol="0">
+                <a:spAutoFit/>
+              </a:bodyPr>
+              <a:lstStyle/>
+              <a:p>
+                <a:r>
+                  <a:rPr lang="en-US" altLang="zh-CN" sz="1000" dirty="0" smtClean="0"/>
+                  <a:t>770</a:t>
+                </a:r>
+                <a:endParaRPr lang="zh-CN" altLang="en-US" sz="1000" dirty="0"/>
+              </a:p>
+            </p:txBody>
+          </p:sp>
+          <p:sp>
+            <p:nvSpPr>
+              <p:cNvPr id="40" name="Rectangle 39"/>
+              <p:cNvSpPr/>
+              <p:nvPr/>
+            </p:nvSpPr>
+            <p:spPr>
+              <a:xfrm>
+                <a:off x="4857752" y="214290"/>
+                <a:ext cx="571504" cy="2428892"/>
+              </a:xfrm>
+              <a:prstGeom prst="rect">
+                <a:avLst/>
+              </a:prstGeom>
+              <a:noFill/>
+              <a:ln>
+                <a:solidFill>
+                  <a:schemeClr val="accent6"/>
+                </a:solidFill>
+              </a:ln>
+            </p:spPr>
+            <p:style>
+              <a:lnRef idx="2">
+                <a:schemeClr val="accent1">
+                  <a:shade val="50000"/>
+                </a:schemeClr>
+              </a:lnRef>
+              <a:fillRef idx="1">
+                <a:schemeClr val="accent1"/>
+              </a:fillRef>
+              <a:effectRef idx="0">
+                <a:schemeClr val="accent1"/>
+              </a:effectRef>
+              <a:fontRef idx="minor">
+                <a:schemeClr val="lt1"/>
+              </a:fontRef>
+            </p:style>
+            <p:txBody>
+              <a:bodyPr rtlCol="0" anchor="ctr"/>
+              <a:lstStyle/>
+              <a:p>
+                <a:pPr algn="ctr"/>
+                <a:endParaRPr lang="zh-CN" altLang="en-US"/>
+              </a:p>
+            </p:txBody>
+          </p:sp>
+          <p:cxnSp>
+            <p:nvCxnSpPr>
+              <p:cNvPr id="41" name="Straight Arrow Connector 40"/>
+              <p:cNvCxnSpPr/>
+              <p:nvPr/>
+            </p:nvCxnSpPr>
+            <p:spPr>
+              <a:xfrm rot="5400000" flipH="1" flipV="1">
+                <a:off x="5287174" y="2642388"/>
+                <a:ext cx="285752" cy="1588"/>
+              </a:xfrm>
+              <a:prstGeom prst="straightConnector1">
+                <a:avLst/>
+              </a:prstGeom>
+              <a:ln>
+                <a:tailEnd type="arrow"/>
+              </a:ln>
+            </p:spPr>
+            <p:style>
+              <a:lnRef idx="1">
+                <a:schemeClr val="accent1"/>
+              </a:lnRef>
+              <a:fillRef idx="0">
+                <a:schemeClr val="accent1"/>
+              </a:fillRef>
+              <a:effectRef idx="0">
+                <a:schemeClr val="accent1"/>
+              </a:effectRef>
+              <a:fontRef idx="minor">
+                <a:schemeClr val="tx1"/>
+              </a:fontRef>
+            </p:style>
+          </p:cxnSp>
+          <p:sp>
+            <p:nvSpPr>
+              <p:cNvPr id="42" name="TextBox 41"/>
+              <p:cNvSpPr txBox="1"/>
+              <p:nvPr/>
+            </p:nvSpPr>
+            <p:spPr>
+              <a:xfrm>
+                <a:off x="0" y="0"/>
+                <a:ext cx="351378" cy="276999"/>
+              </a:xfrm>
+              <a:prstGeom prst="rect">
+                <a:avLst/>
+              </a:prstGeom>
+              <a:noFill/>
+            </p:spPr>
+            <p:txBody>
+              <a:bodyPr wrap="none" rtlCol="0">
+                <a:spAutoFit/>
+              </a:bodyPr>
+              <a:lstStyle/>
+              <a:p>
+                <a:r>
+                  <a:rPr lang="en-US" altLang="zh-CN" sz="1200" dirty="0" smtClean="0"/>
+                  <a:t>(a)</a:t>
+                </a:r>
+                <a:endParaRPr lang="zh-CN" altLang="en-US" sz="1200" dirty="0"/>
+              </a:p>
+            </p:txBody>
+          </p:sp>
+          <p:sp>
+            <p:nvSpPr>
+              <p:cNvPr id="43" name="TextBox 42"/>
+              <p:cNvSpPr txBox="1"/>
+              <p:nvPr/>
+            </p:nvSpPr>
+            <p:spPr>
+              <a:xfrm>
+                <a:off x="0" y="2071678"/>
+                <a:ext cx="357790" cy="276999"/>
+              </a:xfrm>
+              <a:prstGeom prst="rect">
+                <a:avLst/>
+              </a:prstGeom>
+              <a:noFill/>
+            </p:spPr>
+            <p:txBody>
+              <a:bodyPr wrap="none" rtlCol="0">
+                <a:spAutoFit/>
+              </a:bodyPr>
+              <a:lstStyle/>
+              <a:p>
+                <a:r>
+                  <a:rPr lang="en-US" altLang="zh-CN" sz="1200" dirty="0" smtClean="0"/>
+                  <a:t>(b)</a:t>
+                </a:r>
+                <a:endParaRPr lang="zh-CN" altLang="en-US" sz="1200" dirty="0"/>
+              </a:p>
+            </p:txBody>
+          </p:sp>
+          <p:sp>
+            <p:nvSpPr>
+              <p:cNvPr id="44" name="TextBox 43"/>
+              <p:cNvSpPr txBox="1"/>
+              <p:nvPr/>
+            </p:nvSpPr>
+            <p:spPr>
+              <a:xfrm>
+                <a:off x="0" y="4143380"/>
+                <a:ext cx="351378" cy="276999"/>
+              </a:xfrm>
+              <a:prstGeom prst="rect">
+                <a:avLst/>
+              </a:prstGeom>
+              <a:noFill/>
+            </p:spPr>
+            <p:txBody>
+              <a:bodyPr wrap="none" rtlCol="0">
+                <a:spAutoFit/>
+              </a:bodyPr>
+              <a:lstStyle/>
+              <a:p>
+                <a:r>
+                  <a:rPr lang="en-US" altLang="zh-CN" sz="1200" dirty="0" smtClean="0"/>
+                  <a:t>(c)</a:t>
+                </a:r>
+                <a:endParaRPr lang="zh-CN" altLang="en-US" sz="1200" dirty="0"/>
+              </a:p>
+            </p:txBody>
+          </p:sp>
+          <p:sp>
+            <p:nvSpPr>
+              <p:cNvPr id="45" name="TextBox 44"/>
+              <p:cNvSpPr txBox="1"/>
+              <p:nvPr/>
+            </p:nvSpPr>
+            <p:spPr>
+              <a:xfrm>
+                <a:off x="6786578" y="0"/>
+                <a:ext cx="357790" cy="276999"/>
+              </a:xfrm>
+              <a:prstGeom prst="rect">
+                <a:avLst/>
+              </a:prstGeom>
+              <a:noFill/>
+            </p:spPr>
+            <p:txBody>
+              <a:bodyPr wrap="none" rtlCol="0">
+                <a:spAutoFit/>
+              </a:bodyPr>
+              <a:lstStyle/>
+              <a:p>
+                <a:r>
+                  <a:rPr lang="en-US" altLang="zh-CN" sz="1200" dirty="0" smtClean="0"/>
+                  <a:t>(d)</a:t>
+                </a:r>
+                <a:endParaRPr lang="zh-CN" altLang="en-US" sz="1200" dirty="0"/>
+              </a:p>
+            </p:txBody>
+          </p:sp>
+          <p:sp>
+            <p:nvSpPr>
+              <p:cNvPr id="46" name="TextBox 45"/>
+              <p:cNvSpPr txBox="1"/>
+              <p:nvPr/>
+            </p:nvSpPr>
+            <p:spPr>
+              <a:xfrm>
+                <a:off x="6786578" y="2071678"/>
+                <a:ext cx="354584" cy="276999"/>
+              </a:xfrm>
+              <a:prstGeom prst="rect">
+                <a:avLst/>
+              </a:prstGeom>
+              <a:noFill/>
+            </p:spPr>
+            <p:txBody>
+              <a:bodyPr wrap="none" rtlCol="0">
+                <a:spAutoFit/>
+              </a:bodyPr>
+              <a:lstStyle/>
+              <a:p>
+                <a:r>
+                  <a:rPr lang="en-US" altLang="zh-CN" sz="1200" dirty="0" smtClean="0"/>
+                  <a:t>(e)</a:t>
+                </a:r>
+                <a:endParaRPr lang="zh-CN" altLang="en-US" sz="1200" dirty="0"/>
+              </a:p>
+            </p:txBody>
+          </p:sp>
+          <p:sp>
+            <p:nvSpPr>
+              <p:cNvPr id="47" name="TextBox 46"/>
+              <p:cNvSpPr txBox="1"/>
+              <p:nvPr/>
+            </p:nvSpPr>
+            <p:spPr>
+              <a:xfrm>
+                <a:off x="6786578" y="4214818"/>
+                <a:ext cx="326371" cy="276999"/>
+              </a:xfrm>
+              <a:prstGeom prst="rect">
+                <a:avLst/>
+              </a:prstGeom>
+              <a:noFill/>
+            </p:spPr>
+            <p:txBody>
+              <a:bodyPr wrap="none" rtlCol="0">
+                <a:spAutoFit/>
+              </a:bodyPr>
+              <a:lstStyle/>
+              <a:p>
+                <a:r>
+                  <a:rPr lang="en-US" altLang="zh-CN" sz="1200" dirty="0" smtClean="0"/>
+                  <a:t>(f)</a:t>
+                </a:r>
+                <a:endParaRPr lang="zh-CN" altLang="en-US" sz="1200" dirty="0"/>
+              </a:p>
+            </p:txBody>
+          </p:sp>
+          <p:sp>
+            <p:nvSpPr>
+              <p:cNvPr id="48" name="TextBox 47"/>
+              <p:cNvSpPr txBox="1"/>
+              <p:nvPr/>
+            </p:nvSpPr>
+            <p:spPr>
+              <a:xfrm>
+                <a:off x="2500298" y="0"/>
+                <a:ext cx="351378" cy="276999"/>
+              </a:xfrm>
+              <a:prstGeom prst="rect">
+                <a:avLst/>
+              </a:prstGeom>
+              <a:noFill/>
+            </p:spPr>
+            <p:txBody>
+              <a:bodyPr wrap="none" rtlCol="0">
+                <a:spAutoFit/>
+              </a:bodyPr>
+              <a:lstStyle/>
+              <a:p>
+                <a:r>
+                  <a:rPr lang="en-US" altLang="zh-CN" sz="1200" dirty="0" smtClean="0"/>
+                  <a:t>(g)</a:t>
+                </a:r>
+                <a:endParaRPr lang="zh-CN" altLang="en-US" sz="1200" dirty="0"/>
+              </a:p>
+            </p:txBody>
+          </p:sp>
+          <p:sp>
+            <p:nvSpPr>
+              <p:cNvPr id="49" name="TextBox 48"/>
+              <p:cNvSpPr txBox="1"/>
+              <p:nvPr/>
+            </p:nvSpPr>
+            <p:spPr>
+              <a:xfrm>
+                <a:off x="4429124" y="2714620"/>
+                <a:ext cx="492443" cy="276999"/>
+              </a:xfrm>
+              <a:prstGeom prst="rect">
+                <a:avLst/>
+              </a:prstGeom>
+              <a:noFill/>
+            </p:spPr>
+            <p:txBody>
+              <a:bodyPr wrap="none" rtlCol="0">
+                <a:spAutoFit/>
+              </a:bodyPr>
+              <a:lstStyle/>
+              <a:p>
+                <a:r>
+                  <a:rPr lang="en-US" altLang="zh-CN" sz="1200" dirty="0" smtClean="0">
+                    <a:latin typeface="+mj-ea"/>
+                    <a:ea typeface="+mj-ea"/>
+                  </a:rPr>
+                  <a:t>Step</a:t>
+                </a:r>
+                <a:endParaRPr lang="zh-CN" altLang="en-US" sz="1200" dirty="0">
+                  <a:latin typeface="+mj-ea"/>
+                  <a:ea typeface="+mj-ea"/>
+                </a:endParaRPr>
+              </a:p>
+            </p:txBody>
+          </p:sp>
+          <p:sp>
+            <p:nvSpPr>
+              <p:cNvPr id="50" name="TextBox 49"/>
+              <p:cNvSpPr txBox="1"/>
+              <p:nvPr/>
+            </p:nvSpPr>
+            <p:spPr>
+              <a:xfrm>
+                <a:off x="1857356" y="1285860"/>
+                <a:ext cx="877163" cy="276999"/>
+              </a:xfrm>
+              <a:prstGeom prst="rect">
+                <a:avLst/>
+              </a:prstGeom>
+              <a:noFill/>
+              <a:scene3d>
+                <a:camera prst="orthographicFront">
+                  <a:rot lat="0" lon="0" rev="5400000"/>
+                </a:camera>
+                <a:lightRig rig="threePt" dir="t"/>
+              </a:scene3d>
+            </p:spPr>
+            <p:txBody>
+              <a:bodyPr wrap="none" rtlCol="0">
+                <a:spAutoFit/>
+              </a:bodyPr>
+              <a:lstStyle/>
+              <a:p>
+                <a:r>
+                  <a:rPr lang="en-US" altLang="zh-CN" sz="1200" dirty="0" smtClean="0">
+                    <a:latin typeface="+mj-ea"/>
+                    <a:ea typeface="+mj-ea"/>
+                  </a:rPr>
+                  <a:t>Amplitude</a:t>
+                </a:r>
+                <a:endParaRPr lang="zh-CN" altLang="en-US" sz="1200" dirty="0">
+                  <a:latin typeface="+mj-ea"/>
+                  <a:ea typeface="+mj-ea"/>
+                </a:endParaRPr>
+              </a:p>
+            </p:txBody>
+          </p:sp>
+          <p:pic>
+            <p:nvPicPr>
+              <p:cNvPr id="51" name="Picture 11" descr="C:\Users\Sony\Desktop\loglogplot.png"/>
+              <p:cNvPicPr>
+                <a:picLocks noChangeAspect="1" noChangeArrowheads="1"/>
+              </p:cNvPicPr>
+              <p:nvPr/>
+            </p:nvPicPr>
+            <p:blipFill>
+              <a:blip r:embed="rId10"/>
+              <a:srcRect/>
+              <a:stretch>
+                <a:fillRect/>
+              </a:stretch>
+            </p:blipFill>
+            <p:spPr bwMode="auto">
+              <a:xfrm>
+                <a:off x="2357422" y="3103597"/>
+                <a:ext cx="4429156" cy="3754403"/>
+              </a:xfrm>
+              <a:prstGeom prst="rect">
+                <a:avLst/>
+              </a:prstGeom>
+              <a:noFill/>
+            </p:spPr>
+          </p:pic>
+          <p:cxnSp>
+            <p:nvCxnSpPr>
+              <p:cNvPr id="52" name="Straight Arrow Connector 51"/>
+              <p:cNvCxnSpPr/>
+              <p:nvPr/>
+            </p:nvCxnSpPr>
+            <p:spPr>
+              <a:xfrm rot="5400000">
+                <a:off x="4787108" y="2499512"/>
+                <a:ext cx="285752" cy="1588"/>
+              </a:xfrm>
+              <a:prstGeom prst="straightConnector1">
+                <a:avLst/>
+              </a:prstGeom>
+              <a:ln>
+                <a:tailEnd type="arrow"/>
+              </a:ln>
+            </p:spPr>
+            <p:style>
+              <a:lnRef idx="1">
+                <a:schemeClr val="accent1"/>
+              </a:lnRef>
+              <a:fillRef idx="0">
+                <a:schemeClr val="accent1"/>
+              </a:fillRef>
+              <a:effectRef idx="0">
+                <a:schemeClr val="accent1"/>
+              </a:effectRef>
+              <a:fontRef idx="minor">
+                <a:schemeClr val="tx1"/>
+              </a:fontRef>
+            </p:style>
+          </p:cxnSp>
+          <p:graphicFrame>
+            <p:nvGraphicFramePr>
+              <p:cNvPr id="53" name="Object 12"/>
+              <p:cNvGraphicFramePr>
+                <a:graphicFrameLocks noChangeAspect="1"/>
+              </p:cNvGraphicFramePr>
+              <p:nvPr/>
+            </p:nvGraphicFramePr>
+            <p:xfrm>
+              <a:off x="3214678" y="5143512"/>
+              <a:ext cx="863600" cy="914400"/>
+            </p:xfrm>
+            <a:graphic>
+              <a:graphicData uri="http://schemas.openxmlformats.org/presentationml/2006/ole">
+                <p:oleObj spid="_x0000_s3076" name="Equation" r:id="rId11" imgW="863280" imgH="914400" progId="Equation.DSMT4">
+                  <p:embed/>
+                </p:oleObj>
+              </a:graphicData>
+            </a:graphic>
+          </p:graphicFrame>
+          <p:sp>
+            <p:nvSpPr>
+              <p:cNvPr id="54" name="TextBox 53"/>
+              <p:cNvSpPr txBox="1"/>
+              <p:nvPr/>
+            </p:nvSpPr>
+            <p:spPr>
+              <a:xfrm>
+                <a:off x="2500298" y="3071810"/>
+                <a:ext cx="357790" cy="276999"/>
+              </a:xfrm>
+              <a:prstGeom prst="rect">
+                <a:avLst/>
+              </a:prstGeom>
+              <a:noFill/>
+            </p:spPr>
+            <p:txBody>
+              <a:bodyPr wrap="none" rtlCol="0">
+                <a:spAutoFit/>
+              </a:bodyPr>
+              <a:lstStyle/>
+              <a:p>
+                <a:r>
+                  <a:rPr lang="en-US" altLang="zh-CN" sz="1200" dirty="0" smtClean="0"/>
+                  <a:t>(h)</a:t>
+                </a:r>
+                <a:endParaRPr lang="zh-CN" altLang="en-US" sz="1200" dirty="0"/>
+              </a:p>
+            </p:txBody>
+          </p:sp>
+          <p:pic>
+            <p:nvPicPr>
+              <p:cNvPr id="55" name="Picture 14"/>
+              <p:cNvPicPr>
+                <a:picLocks noChangeAspect="1" noChangeArrowheads="1"/>
+              </p:cNvPicPr>
+              <p:nvPr/>
+            </p:nvPicPr>
+            <p:blipFill>
+              <a:blip r:embed="rId12"/>
+              <a:srcRect/>
+              <a:stretch>
+                <a:fillRect/>
+              </a:stretch>
+            </p:blipFill>
+            <p:spPr bwMode="auto">
+              <a:xfrm>
+                <a:off x="4786314" y="3500438"/>
+                <a:ext cx="1461077" cy="1419223"/>
+              </a:xfrm>
+              <a:prstGeom prst="rect">
+                <a:avLst/>
+              </a:prstGeom>
+              <a:noFill/>
+              <a:ln w="9525">
+                <a:noFill/>
+                <a:miter lim="800000"/>
+                <a:headEnd/>
+                <a:tailEnd/>
+              </a:ln>
+              <a:effectLst/>
+            </p:spPr>
+          </p:pic>
+        </p:grpSp>
+        <p:sp>
+          <p:nvSpPr>
+            <p:cNvPr id="14" name="TextBox 13"/>
+            <p:cNvSpPr txBox="1"/>
+            <p:nvPr/>
+          </p:nvSpPr>
+          <p:spPr>
+            <a:xfrm>
+              <a:off x="4408732" y="6474279"/>
+              <a:ext cx="530693" cy="383721"/>
+            </a:xfrm>
+            <a:prstGeom prst="rect">
+              <a:avLst/>
+            </a:prstGeom>
             <a:noFill/>
-            <a:miter lim="800000"/>
-            <a:headEnd/>
-            <a:tailEnd/>
-          </a:ln>
-          <a:effectLst/>
-        </p:spPr>
-      </p:pic>
-      <p:sp>
-        <p:nvSpPr>
-          <p:cNvPr id="9" name="TextBox 8"/>
-          <p:cNvSpPr txBox="1"/>
-          <p:nvPr/>
-        </p:nvSpPr>
-        <p:spPr>
-          <a:xfrm>
-            <a:off x="6786578" y="5857892"/>
-            <a:ext cx="461921" cy="276999"/>
-          </a:xfrm>
-          <a:prstGeom prst="rect">
-            <a:avLst/>
-          </a:prstGeom>
-          <a:noFill/>
-        </p:spPr>
-        <p:txBody>
-          <a:bodyPr wrap="none" rtlCol="0">
-            <a:spAutoFit/>
-          </a:bodyPr>
-          <a:lstStyle/>
-          <a:p>
-            <a:r>
-              <a:rPr lang="en-US" altLang="zh-CN" sz="1200" dirty="0" smtClean="0"/>
-              <a:t>Step</a:t>
-            </a:r>
-            <a:endParaRPr lang="zh-CN" altLang="en-US" sz="1200" dirty="0"/>
-          </a:p>
-        </p:txBody>
-      </p:sp>
-      <p:sp>
-        <p:nvSpPr>
-          <p:cNvPr id="10" name="TextBox 9"/>
-          <p:cNvSpPr txBox="1"/>
-          <p:nvPr/>
-        </p:nvSpPr>
-        <p:spPr>
-          <a:xfrm flipV="1">
-            <a:off x="4573535" y="3429000"/>
-            <a:ext cx="369332" cy="861671"/>
-          </a:xfrm>
-          <a:prstGeom prst="rect">
-            <a:avLst/>
-          </a:prstGeom>
-          <a:noFill/>
-        </p:spPr>
-        <p:txBody>
-          <a:bodyPr vert="eaVert" wrap="square" rtlCol="0">
-            <a:spAutoFit/>
-          </a:bodyPr>
-          <a:lstStyle/>
-          <a:p>
-            <a:r>
-              <a:rPr lang="en-US" altLang="zh-CN" sz="1200" dirty="0" smtClean="0"/>
-              <a:t>Frequency</a:t>
-            </a:r>
-            <a:endParaRPr lang="zh-CN" altLang="en-US" sz="1200" dirty="0"/>
-          </a:p>
-        </p:txBody>
-      </p:sp>
-      <p:graphicFrame>
-        <p:nvGraphicFramePr>
-          <p:cNvPr id="12" name="Object 12"/>
-          <p:cNvGraphicFramePr>
-            <a:graphicFrameLocks noChangeAspect="1"/>
-          </p:cNvGraphicFramePr>
-          <p:nvPr/>
-        </p:nvGraphicFramePr>
-        <p:xfrm>
-          <a:off x="5429256" y="4071942"/>
-          <a:ext cx="1071570" cy="1134604"/>
-        </p:xfrm>
-        <a:graphic>
-          <a:graphicData uri="http://schemas.openxmlformats.org/presentationml/2006/ole">
-            <p:oleObj spid="_x0000_s3074" name="Equation" r:id="rId5" imgW="863280" imgH="914400" progId="Equation.DSMT4">
-              <p:embed/>
-            </p:oleObj>
-          </a:graphicData>
-        </a:graphic>
-      </p:graphicFrame>
+          </p:spPr>
+          <p:txBody>
+            <a:bodyPr wrap="none" rtlCol="0">
+              <a:spAutoFit/>
+            </a:bodyPr>
+            <a:lstStyle/>
+            <a:p>
+              <a:r>
+                <a:rPr lang="en-US" altLang="zh-CN" sz="1400" dirty="0" smtClean="0"/>
+                <a:t>Size</a:t>
+              </a:r>
+              <a:endParaRPr lang="zh-CN" altLang="en-US" sz="1400" dirty="0"/>
+            </a:p>
+          </p:txBody>
+        </p:sp>
+        <p:sp>
+          <p:nvSpPr>
+            <p:cNvPr id="15" name="TextBox 14"/>
+            <p:cNvSpPr txBox="1"/>
+            <p:nvPr/>
+          </p:nvSpPr>
+          <p:spPr>
+            <a:xfrm flipV="1">
+              <a:off x="2204366" y="4097005"/>
+              <a:ext cx="457267" cy="1121930"/>
+            </a:xfrm>
+            <a:prstGeom prst="rect">
+              <a:avLst/>
+            </a:prstGeom>
+            <a:noFill/>
+          </p:spPr>
+          <p:txBody>
+            <a:bodyPr vert="eaVert" wrap="square" rtlCol="0">
+              <a:spAutoFit/>
+            </a:bodyPr>
+            <a:lstStyle/>
+            <a:p>
+              <a:r>
+                <a:rPr lang="en-US" altLang="zh-CN" sz="1400" dirty="0" smtClean="0"/>
+                <a:t>Frequency</a:t>
+              </a:r>
+              <a:endParaRPr lang="zh-CN" altLang="en-US" sz="1400" dirty="0"/>
+            </a:p>
+          </p:txBody>
+        </p:sp>
+      </p:grpSp>
     </p:spTree>
   </p:cSld>
   <p:clrMapOvr>
     <a:masterClrMapping/>
   </p:clrMapOvr>
+  <p:timing>
+    <p:tnLst>
+      <p:par>
+        <p:cTn id="1" dur="indefinite" restart="never" nodeType="tmRoot"/>
+      </p:par>
+    </p:tnLst>
+  </p:timing>
 </p:sld>
 </file>
 
@@ -5171,7 +6372,7 @@
         </p:nvSpPr>
         <p:spPr>
           <a:xfrm>
-            <a:off x="0" y="1428736"/>
+            <a:off x="0" y="1785926"/>
             <a:ext cx="8666860" cy="1477328"/>
           </a:xfrm>
           <a:prstGeom prst="rect">
@@ -5236,8 +6437,8 @@
         </p:nvSpPr>
         <p:spPr>
           <a:xfrm>
-            <a:off x="500034" y="3000372"/>
-            <a:ext cx="2657779" cy="369332"/>
+            <a:off x="428596" y="3500438"/>
+            <a:ext cx="2615203" cy="369332"/>
           </a:xfrm>
           <a:prstGeom prst="rect">
             <a:avLst/>
@@ -5251,18 +6452,10 @@
           <a:lstStyle/>
           <a:p>
             <a:r>
-              <a:rPr lang="en-US" altLang="zh-CN" b="1" dirty="0" smtClean="0">
-                <a:solidFill>
-                  <a:srgbClr val="FF0000"/>
-                </a:solidFill>
-              </a:rPr>
+              <a:rPr lang="en-US" altLang="zh-CN" dirty="0" smtClean="0"/>
               <a:t>More things in the future:</a:t>
             </a:r>
-            <a:endParaRPr lang="zh-CN" altLang="en-US" b="1" dirty="0">
-              <a:solidFill>
-                <a:srgbClr val="FF0000"/>
-              </a:solidFill>
-            </a:endParaRPr>
+            <a:endParaRPr lang="zh-CN" altLang="en-US" dirty="0"/>
           </a:p>
         </p:txBody>
       </p:sp>
@@ -5275,7 +6468,7 @@
         <p:spPr>
           <a:xfrm>
             <a:off x="500034" y="1000108"/>
-            <a:ext cx="1566839" cy="369332"/>
+            <a:ext cx="1538691" cy="369332"/>
           </a:xfrm>
           <a:prstGeom prst="rect">
             <a:avLst/>
@@ -5289,18 +6482,10 @@
           <a:lstStyle/>
           <a:p>
             <a:r>
-              <a:rPr lang="en-US" altLang="zh-CN" b="1" dirty="0" smtClean="0">
-                <a:solidFill>
-                  <a:srgbClr val="FF0000"/>
-                </a:solidFill>
-              </a:rPr>
+              <a:rPr lang="en-US" altLang="zh-CN" dirty="0" smtClean="0"/>
               <a:t>In this project:</a:t>
             </a:r>
-            <a:endParaRPr lang="zh-CN" altLang="en-US" b="1" dirty="0">
-              <a:solidFill>
-                <a:srgbClr val="FF0000"/>
-              </a:solidFill>
-            </a:endParaRPr>
+            <a:endParaRPr lang="zh-CN" altLang="en-US" dirty="0"/>
           </a:p>
         </p:txBody>
       </p:sp>
@@ -5312,7 +6497,7 @@
         </p:nvSpPr>
         <p:spPr>
           <a:xfrm>
-            <a:off x="0" y="3429000"/>
+            <a:off x="151538" y="4286256"/>
             <a:ext cx="8992462" cy="1477328"/>
           </a:xfrm>
           <a:prstGeom prst="rect">
@@ -5361,100 +6546,18 @@
           </a:p>
         </p:txBody>
       </p:sp>
-      <p:sp>
-        <p:nvSpPr>
-          <p:cNvPr id="9" name="TextBox 8"/>
-          <p:cNvSpPr txBox="1"/>
-          <p:nvPr/>
-        </p:nvSpPr>
-        <p:spPr>
-          <a:xfrm>
-            <a:off x="500034" y="4786322"/>
-            <a:ext cx="2173415" cy="369332"/>
-          </a:xfrm>
-          <a:prstGeom prst="rect">
-            <a:avLst/>
-          </a:prstGeom>
-          <a:noFill/>
-        </p:spPr>
-        <p:txBody>
-          <a:bodyPr wrap="none" rtlCol="0">
-            <a:spAutoFit/>
-          </a:bodyPr>
-          <a:lstStyle/>
-          <a:p>
-            <a:r>
-              <a:rPr lang="en-US" altLang="zh-CN" b="1" dirty="0" smtClean="0">
-                <a:solidFill>
-                  <a:srgbClr val="FF0000"/>
-                </a:solidFill>
-              </a:rPr>
-              <a:t>Take-home message:</a:t>
-            </a:r>
-            <a:endParaRPr lang="zh-CN" altLang="en-US" b="1" dirty="0">
-              <a:solidFill>
-                <a:srgbClr val="FF0000"/>
-              </a:solidFill>
-            </a:endParaRPr>
-          </a:p>
-        </p:txBody>
-      </p:sp>
-      <p:sp>
-        <p:nvSpPr>
-          <p:cNvPr id="10" name="TextBox 9"/>
-          <p:cNvSpPr txBox="1"/>
-          <p:nvPr/>
-        </p:nvSpPr>
-        <p:spPr>
-          <a:xfrm>
-            <a:off x="0" y="5286388"/>
-            <a:ext cx="5997091" cy="923330"/>
-          </a:xfrm>
-          <a:prstGeom prst="rect">
-            <a:avLst/>
-          </a:prstGeom>
-          <a:noFill/>
-        </p:spPr>
-        <p:txBody>
-          <a:bodyPr wrap="none" rtlCol="0">
-            <a:spAutoFit/>
-          </a:bodyPr>
-          <a:lstStyle/>
-          <a:p>
-            <a:pPr marL="342900" indent="-342900">
-              <a:buAutoNum type="arabicParenR"/>
-            </a:pPr>
-            <a:r>
-              <a:rPr lang="en-US" altLang="zh-CN" dirty="0" smtClean="0"/>
-              <a:t>SOC=‘self-organized’ +’ critical’</a:t>
-            </a:r>
-          </a:p>
-          <a:p>
-            <a:pPr marL="342900" indent="-342900">
-              <a:buAutoNum type="arabicParenR"/>
-            </a:pPr>
-            <a:r>
-              <a:rPr lang="en-US" altLang="zh-CN" dirty="0" smtClean="0"/>
-              <a:t>SOC can be found everywhere. FFM is one of the systems. </a:t>
-            </a:r>
-          </a:p>
-          <a:p>
-            <a:pPr marL="342900" indent="-342900">
-              <a:buAutoNum type="arabicParenR"/>
-            </a:pPr>
-            <a:r>
-              <a:rPr lang="en-US" altLang="zh-CN" dirty="0" smtClean="0"/>
-              <a:t>3 main properties of SOC </a:t>
-            </a:r>
-            <a:endParaRPr lang="zh-CN" altLang="en-US" dirty="0"/>
-          </a:p>
-        </p:txBody>
-      </p:sp>
     </p:spTree>
   </p:cSld>
   <p:clrMapOvr>
     <a:masterClrMapping/>
   </p:clrMapOvr>
+  <p:timing>
+    <p:tnLst>
+      <p:par>
+        <p:cTn id="1" dur="indefinite" restart="never" nodeType="tmRoot"/>
+      </p:par>
+    </p:tnLst>
+  </p:timing>
 </p:sld>
 </file>
 
@@ -5543,6 +6646,13 @@
   <p:clrMapOvr>
     <a:masterClrMapping/>
   </p:clrMapOvr>
+  <p:timing>
+    <p:tnLst>
+      <p:par>
+        <p:cTn id="1" dur="indefinite" restart="never" nodeType="tmRoot"/>
+      </p:par>
+    </p:tnLst>
+  </p:timing>
 </p:sld>
 </file>
 
@@ -5634,8 +6744,8 @@
         </p:nvSpPr>
         <p:spPr>
           <a:xfrm>
-            <a:off x="1000100" y="2214554"/>
-            <a:ext cx="3013967" cy="2246769"/>
+            <a:off x="928662" y="1928802"/>
+            <a:ext cx="4084773" cy="3108543"/>
           </a:xfrm>
           <a:prstGeom prst="rect">
             <a:avLst/>
@@ -5652,7 +6762,7 @@
               <a:buAutoNum type="arabicPeriod"/>
             </a:pPr>
             <a:r>
-              <a:rPr lang="en-US" altLang="zh-CN" sz="2000" dirty="0" smtClean="0"/>
+              <a:rPr lang="en-US" altLang="zh-CN" sz="2800" b="1" dirty="0" smtClean="0"/>
               <a:t>Motivation</a:t>
             </a:r>
           </a:p>
@@ -5660,14 +6770,14 @@
             <a:pPr marL="342900" indent="-342900">
               <a:buAutoNum type="arabicPeriod"/>
             </a:pPr>
-            <a:endParaRPr lang="en-US" altLang="zh-CN" sz="2000" dirty="0" smtClean="0"/>
+            <a:endParaRPr lang="en-US" altLang="zh-CN" sz="2800" b="1" dirty="0" smtClean="0"/>
           </a:p>
           <a:p>
             <a:pPr marL="342900" indent="-342900">
               <a:buAutoNum type="arabicPeriod"/>
             </a:pPr>
             <a:r>
-              <a:rPr lang="en-US" altLang="zh-CN" sz="2000" dirty="0" smtClean="0"/>
+              <a:rPr lang="en-US" altLang="zh-CN" sz="2800" b="1" dirty="0" smtClean="0"/>
               <a:t>Introduction</a:t>
             </a:r>
           </a:p>
@@ -5675,14 +6785,14 @@
             <a:pPr marL="342900" indent="-342900">
               <a:buAutoNum type="arabicPeriod"/>
             </a:pPr>
-            <a:endParaRPr lang="en-US" altLang="zh-CN" sz="2000" dirty="0" smtClean="0"/>
+            <a:endParaRPr lang="en-US" altLang="zh-CN" sz="2800" b="1" dirty="0" smtClean="0"/>
           </a:p>
           <a:p>
             <a:pPr marL="342900" indent="-342900">
               <a:buAutoNum type="arabicPeriod"/>
             </a:pPr>
             <a:r>
-              <a:rPr lang="en-US" altLang="zh-CN" sz="2000" dirty="0" smtClean="0"/>
+              <a:rPr lang="en-US" altLang="zh-CN" sz="2800" b="1" dirty="0" smtClean="0"/>
               <a:t>Simulation results</a:t>
             </a:r>
           </a:p>
@@ -5690,17 +6800,17 @@
             <a:pPr marL="342900" indent="-342900">
               <a:buAutoNum type="arabicPeriod"/>
             </a:pPr>
-            <a:endParaRPr lang="en-US" altLang="zh-CN" sz="2000" dirty="0" smtClean="0"/>
+            <a:endParaRPr lang="en-US" altLang="zh-CN" sz="2800" b="1" dirty="0" smtClean="0"/>
           </a:p>
           <a:p>
             <a:pPr marL="342900" indent="-342900">
               <a:buAutoNum type="arabicPeriod"/>
             </a:pPr>
             <a:r>
-              <a:rPr lang="en-US" altLang="zh-CN" sz="2000" dirty="0" smtClean="0"/>
+              <a:rPr lang="en-US" altLang="zh-CN" sz="2800" b="1" dirty="0" smtClean="0"/>
               <a:t>Conclusion and Outlook</a:t>
             </a:r>
-            <a:endParaRPr lang="zh-CN" altLang="en-US" sz="2000" dirty="0"/>
+            <a:endParaRPr lang="zh-CN" altLang="en-US" sz="2800" b="1" dirty="0"/>
           </a:p>
         </p:txBody>
       </p:sp>
@@ -5808,7 +6918,7 @@
         <p:spPr>
           <a:xfrm>
             <a:off x="500034" y="1000108"/>
-            <a:ext cx="5448415" cy="369332"/>
+            <a:ext cx="5973943" cy="369332"/>
           </a:xfrm>
           <a:prstGeom prst="rect">
             <a:avLst/>
@@ -5822,7 +6932,7 @@
           <a:p>
             <a:r>
               <a:rPr lang="en-US" dirty="0" smtClean="0"/>
-              <a:t>Self-organized criticality can be seen in various systems: </a:t>
+              <a:t>Self-organized criticality (SOC) can be seen in various systems: </a:t>
             </a:r>
             <a:endParaRPr lang="zh-CN" altLang="en-US" dirty="0"/>
           </a:p>
@@ -5969,11 +7079,11 @@
             </a:r>
             <a:r>
               <a:rPr lang="en-US" dirty="0"/>
-              <a:t>the behavior of a dynamic system </a:t>
+              <a:t>the behavior of a dynamic </a:t>
             </a:r>
             <a:r>
               <a:rPr lang="en-US" dirty="0" smtClean="0"/>
-              <a:t>(SOC)</a:t>
+              <a:t>system</a:t>
             </a:r>
             <a:endParaRPr lang="zh-CN" altLang="en-US" dirty="0"/>
           </a:p>
@@ -6043,6 +7153,13 @@
   <p:clrMapOvr>
     <a:masterClrMapping/>
   </p:clrMapOvr>
+  <p:timing>
+    <p:tnLst>
+      <p:par>
+        <p:cTn id="1" dur="indefinite" restart="never" nodeType="tmRoot"/>
+      </p:par>
+    </p:tnLst>
+  </p:timing>
 </p:sld>
 </file>
 
@@ -6334,7 +7451,7 @@
           <p:nvPr/>
         </p:nvPicPr>
         <p:blipFill>
-          <a:blip r:embed="rId2"/>
+          <a:blip r:embed="rId3"/>
           <a:srcRect/>
           <a:stretch>
             <a:fillRect/>
@@ -6342,7 +7459,7 @@
         </p:blipFill>
         <p:spPr bwMode="auto">
           <a:xfrm>
-            <a:off x="285720" y="4286256"/>
+            <a:off x="357158" y="4714884"/>
             <a:ext cx="1991860" cy="428628"/>
           </a:xfrm>
           <a:prstGeom prst="rect">
@@ -6367,7 +7484,7 @@
           <p:nvPr/>
         </p:nvPicPr>
         <p:blipFill>
-          <a:blip r:embed="rId3"/>
+          <a:blip r:embed="rId4"/>
           <a:srcRect/>
           <a:stretch>
             <a:fillRect/>
@@ -6523,6 +7640,102 @@
           </a:p>
         </p:txBody>
       </p:sp>
+      <p:sp>
+        <p:nvSpPr>
+          <p:cNvPr id="10" name="TextBox 9"/>
+          <p:cNvSpPr txBox="1"/>
+          <p:nvPr/>
+        </p:nvSpPr>
+        <p:spPr>
+          <a:xfrm>
+            <a:off x="285720" y="4286256"/>
+            <a:ext cx="748923" cy="369332"/>
+          </a:xfrm>
+          <a:prstGeom prst="rect">
+            <a:avLst/>
+          </a:prstGeom>
+          <a:noFill/>
+        </p:spPr>
+        <p:txBody>
+          <a:bodyPr wrap="none" rtlCol="0">
+            <a:spAutoFit/>
+          </a:bodyPr>
+          <a:lstStyle/>
+          <a:p>
+            <a:r>
+              <a:rPr lang="en-US" altLang="zh-CN" dirty="0" smtClean="0">
+                <a:solidFill>
+                  <a:srgbClr val="FF0000"/>
+                </a:solidFill>
+              </a:rPr>
+              <a:t>Wind:</a:t>
+            </a:r>
+            <a:endParaRPr lang="zh-CN" altLang="en-US" dirty="0">
+              <a:solidFill>
+                <a:srgbClr val="FF0000"/>
+              </a:solidFill>
+            </a:endParaRPr>
+          </a:p>
+        </p:txBody>
+      </p:sp>
+      <p:sp>
+        <p:nvSpPr>
+          <p:cNvPr id="11" name="TextBox 10"/>
+          <p:cNvSpPr txBox="1"/>
+          <p:nvPr/>
+        </p:nvSpPr>
+        <p:spPr>
+          <a:xfrm>
+            <a:off x="285720" y="5286388"/>
+            <a:ext cx="657552" cy="369332"/>
+          </a:xfrm>
+          <a:prstGeom prst="rect">
+            <a:avLst/>
+          </a:prstGeom>
+          <a:noFill/>
+        </p:spPr>
+        <p:txBody>
+          <a:bodyPr wrap="none" rtlCol="0">
+            <a:spAutoFit/>
+          </a:bodyPr>
+          <a:lstStyle/>
+          <a:p>
+            <a:r>
+              <a:rPr lang="en-US" altLang="zh-CN" dirty="0" smtClean="0">
+                <a:solidFill>
+                  <a:srgbClr val="FF0000"/>
+                </a:solidFill>
+              </a:rPr>
+              <a:t>Rain:</a:t>
+            </a:r>
+            <a:endParaRPr lang="zh-CN" altLang="en-US" dirty="0">
+              <a:solidFill>
+                <a:srgbClr val="FF0000"/>
+              </a:solidFill>
+            </a:endParaRPr>
+          </a:p>
+        </p:txBody>
+      </p:sp>
+      <p:graphicFrame>
+        <p:nvGraphicFramePr>
+          <p:cNvPr id="11265" name="Object 1"/>
+          <p:cNvGraphicFramePr>
+            <a:graphicFrameLocks noChangeAspect="1"/>
+          </p:cNvGraphicFramePr>
+          <p:nvPr/>
+        </p:nvGraphicFramePr>
+        <p:xfrm>
+          <a:off x="428596" y="5857892"/>
+          <a:ext cx="1428760" cy="350838"/>
+        </p:xfrm>
+        <a:graphic>
+          <a:graphicData uri="http://schemas.openxmlformats.org/presentationml/2006/ole">
+            <p:oleObj spid="_x0000_s11265" name="Equation" r:id="rId5" imgW="990360" imgH="228600" progId="Equation.DSMT4">
+              <p:embed/>
+            </p:oleObj>
+          </a:graphicData>
+        </a:graphic>
+      </p:graphicFrame>
     </p:spTree>
   </p:cSld>
   <p:clrMapOvr>
@@ -6625,7 +7838,7 @@
         </p:nvSpPr>
         <p:spPr>
           <a:xfrm>
-            <a:off x="357158" y="1500174"/>
+            <a:off x="357158" y="1785926"/>
             <a:ext cx="6454203" cy="1477328"/>
           </a:xfrm>
           <a:prstGeom prst="rect">
@@ -6874,8 +8087,8 @@
         </p:blipFill>
         <p:spPr bwMode="auto">
           <a:xfrm>
-            <a:off x="2357422" y="4929198"/>
-            <a:ext cx="2767452" cy="1928802"/>
+            <a:off x="2500298" y="4857760"/>
+            <a:ext cx="2357454" cy="1643050"/>
           </a:xfrm>
           <a:prstGeom prst="rect">
             <a:avLst/>
@@ -6944,12 +8157,12 @@
           <p:nvPr/>
         </p:nvGraphicFramePr>
         <p:xfrm>
-          <a:off x="1071538" y="5357826"/>
-          <a:ext cx="865188" cy="398463"/>
+          <a:off x="1071538" y="5429264"/>
+          <a:ext cx="857256" cy="385765"/>
         </p:xfrm>
         <a:graphic>
           <a:graphicData uri="http://schemas.openxmlformats.org/presentationml/2006/ole">
-            <p:oleObj spid="_x0000_s10241" name="Equation" r:id="rId6" imgW="495000" imgH="228600" progId="Equation.DSMT4">
+            <p:oleObj spid="_x0000_s10241" name="Equation" r:id="rId6" imgW="507960" imgH="228600" progId="Equation.DSMT4">
               <p:embed/>
             </p:oleObj>
           </a:graphicData>
@@ -7114,13 +8327,15 @@
       </p:sp>
       <p:sp>
         <p:nvSpPr>
-          <p:cNvPr id="6" name="TextBox 5"/>
+          <p:cNvPr id="6" name="TextBox 5">
+            <a:hlinkClick r:id="rId2" action="ppaction://hlinkfile"/>
+          </p:cNvPr>
           <p:cNvSpPr txBox="1"/>
           <p:nvPr/>
         </p:nvSpPr>
         <p:spPr>
           <a:xfrm>
-            <a:off x="4429124" y="3286124"/>
+            <a:off x="4286248" y="3286124"/>
             <a:ext cx="700833" cy="369332"/>
           </a:xfrm>
           <a:prstGeom prst="rect">
@@ -8320,6 +9535,13 @@
   <p:clrMapOvr>
     <a:masterClrMapping/>
   </p:clrMapOvr>
+  <p:timing>
+    <p:tnLst>
+      <p:par>
+        <p:cTn id="1" dur="indefinite" restart="never" nodeType="tmRoot"/>
+      </p:par>
+    </p:tnLst>
+  </p:timing>
 </p:sld>
 </file>
 
@@ -8573,7 +9795,7 @@
         <p:spPr>
           <a:xfrm>
             <a:off x="285720" y="1214422"/>
-            <a:ext cx="4814460" cy="369332"/>
+            <a:ext cx="4115550" cy="369332"/>
           </a:xfrm>
           <a:prstGeom prst="rect">
             <a:avLst/>
@@ -8636,7 +9858,7 @@
               <a:t>, f= </a:t>
             </a:r>
             <a:r>
-              <a:rPr lang="en-US" dirty="0">
+              <a:rPr lang="en-US" dirty="0" smtClean="0">
                 <a:solidFill>
                   <a:srgbClr val="FF0000"/>
                 </a:solidFill>
@@ -8644,7 +9866,7 @@
               <a:t>10</a:t>
             </a:r>
             <a:r>
-              <a:rPr lang="en-US" baseline="30000" dirty="0">
+              <a:rPr lang="en-US" baseline="30000" dirty="0" smtClean="0">
                 <a:solidFill>
                   <a:srgbClr val="FF0000"/>
                 </a:solidFill>
@@ -8657,7 +9879,15 @@
                   <a:srgbClr val="FF0000"/>
                 </a:solidFill>
               </a:rPr>
-              <a:t>,n=500, d=0.5, g=1, change n</a:t>
+              <a:t>,d=0.5</a:t>
+            </a:r>
+            <a:r>
+              <a:rPr lang="en-US" dirty="0" smtClean="0">
+                <a:solidFill>
+                  <a:srgbClr val="FF0000"/>
+                </a:solidFill>
+              </a:rPr>
+              <a:t>, g=1, change n</a:t>
             </a:r>
             <a:r>
               <a:rPr lang="en-US" i="1" dirty="0" smtClean="0">
@@ -9497,11 +10727,108 @@
           </a:p>
         </p:txBody>
       </p:sp>
+      <p:sp>
+        <p:nvSpPr>
+          <p:cNvPr id="34" name="TextBox 33"/>
+          <p:cNvSpPr txBox="1"/>
+          <p:nvPr/>
+        </p:nvSpPr>
+        <p:spPr>
+          <a:xfrm>
+            <a:off x="285720" y="2786058"/>
+            <a:ext cx="800219" cy="369332"/>
+          </a:xfrm>
+          <a:prstGeom prst="rect">
+            <a:avLst/>
+          </a:prstGeom>
+          <a:noFill/>
+        </p:spPr>
+        <p:txBody>
+          <a:bodyPr wrap="none" rtlCol="0">
+            <a:spAutoFit/>
+          </a:bodyPr>
+          <a:lstStyle/>
+          <a:p>
+            <a:r>
+              <a:rPr lang="en-US" altLang="zh-CN" dirty="0" smtClean="0"/>
+              <a:t>n=100</a:t>
+            </a:r>
+            <a:endParaRPr lang="zh-CN" altLang="en-US" dirty="0"/>
+          </a:p>
+        </p:txBody>
+      </p:sp>
+      <p:sp>
+        <p:nvSpPr>
+          <p:cNvPr id="35" name="TextBox 34"/>
+          <p:cNvSpPr txBox="1"/>
+          <p:nvPr/>
+        </p:nvSpPr>
+        <p:spPr>
+          <a:xfrm>
+            <a:off x="8072462" y="2857496"/>
+            <a:ext cx="800219" cy="369332"/>
+          </a:xfrm>
+          <a:prstGeom prst="rect">
+            <a:avLst/>
+          </a:prstGeom>
+          <a:noFill/>
+        </p:spPr>
+        <p:txBody>
+          <a:bodyPr wrap="none" rtlCol="0">
+            <a:spAutoFit/>
+          </a:bodyPr>
+          <a:lstStyle/>
+          <a:p>
+            <a:r>
+              <a:rPr lang="en-US" altLang="zh-CN" dirty="0" smtClean="0"/>
+              <a:t>n=200</a:t>
+            </a:r>
+            <a:endParaRPr lang="zh-CN" altLang="en-US" dirty="0"/>
+          </a:p>
+        </p:txBody>
+      </p:sp>
+      <p:sp>
+        <p:nvSpPr>
+          <p:cNvPr id="36" name="TextBox 35"/>
+          <p:cNvSpPr txBox="1"/>
+          <p:nvPr/>
+        </p:nvSpPr>
+        <p:spPr>
+          <a:xfrm>
+            <a:off x="357158" y="5572140"/>
+            <a:ext cx="800219" cy="369332"/>
+          </a:xfrm>
+          <a:prstGeom prst="rect">
+            <a:avLst/>
+          </a:prstGeom>
+          <a:noFill/>
+        </p:spPr>
+        <p:txBody>
+          <a:bodyPr wrap="none" rtlCol="0">
+            <a:spAutoFit/>
+          </a:bodyPr>
+          <a:lstStyle/>
+          <a:p>
+            <a:r>
+              <a:rPr lang="en-US" altLang="zh-CN" dirty="0" smtClean="0"/>
+              <a:t>n=300</a:t>
+            </a:r>
+            <a:endParaRPr lang="zh-CN" altLang="en-US" dirty="0"/>
+          </a:p>
+        </p:txBody>
+      </p:sp>
     </p:spTree>
   </p:cSld>
   <p:clrMapOvr>
     <a:masterClrMapping/>
   </p:clrMapOvr>
+  <p:timing>
+    <p:tnLst>
+      <p:par>
+        <p:cTn id="1" dur="indefinite" restart="never" nodeType="tmRoot"/>
+      </p:par>
+    </p:tnLst>
+  </p:timing>
 </p:sld>
 </file>
 
